--- a/econ-210a-lecture-5a.pptx
+++ b/econ-210a-lecture-5a.pptx
@@ -32,6 +32,7 @@
     <p:sldId id="277" r:id="rId29"/>
     <p:sldId id="278" r:id="rId30"/>
     <p:sldId id="279" r:id="rId31"/>
+    <p:sldId id="280" r:id="rId32"/>
   </p:sldIdLst>
   <p:sldSz cx="9144000" cy="6858000"/>
   <p:notesSz cx="6858000" cy="9144000"/>
@@ -2669,7 +2670,7 @@
       </p:grpSpPr>
       <p:sp>
         <p:nvSpPr>
-          <p:cNvPr id="88" name="The Factoral Terms of Trade"/>
+          <p:cNvPr id="89" name="Why Slow Adoption of Industrial Technologies in Emerging Markets?"/>
           <p:cNvSpPr txBox="1"/>
           <p:nvPr>
             <p:ph type="title" idx="4294967295"/>
@@ -2689,21 +2690,21 @@
             <a:normAutofit fontScale="100000" lnSpcReduction="0"/>
           </a:bodyPr>
           <a:lstStyle>
-            <a:lvl1pPr defTabSz="320039">
-              <a:defRPr sz="5600"/>
+            <a:lvl1pPr defTabSz="214884">
+              <a:defRPr sz="3759"/>
             </a:lvl1pPr>
           </a:lstStyle>
           <a:p>
             <a:pPr/>
             <a:r>
-              <a:t>The Factoral Terms of Trade</a:t>
+              <a:t>Why Slow Adoption of Industrial Technologies in Emerging Markets?</a:t>
             </a:r>
           </a:p>
         </p:txBody>
       </p:sp>
       <p:sp>
         <p:nvSpPr>
-          <p:cNvPr id="89" name="“In the second half of the nineteenth century… fifty million people left Europe temperate settlements… and about the same number left India and China to work mainly as laborers in the tropics on plantations, in mines, or in construction projects…”…"/>
+          <p:cNvPr id="90" name="“The smallness of the market was one constraint on industrialization…”…"/>
           <p:cNvSpPr txBox="1"/>
           <p:nvPr>
             <p:ph type="body" idx="4294967295"/>
@@ -2724,80 +2725,47 @@
           </a:bodyPr>
           <a:lstStyle/>
           <a:p>
-            <a:pPr marL="195452" indent="-195452" defTabSz="260604">
+            <a:pPr marL="274320" indent="-274320" defTabSz="365760">
               <a:spcBef>
-                <a:spcPts val="600"/>
+                <a:spcPts val="900"/>
               </a:spcBef>
-              <a:defRPr sz="1710"/>
+              <a:defRPr sz="2400"/>
             </a:pPr>
             <a:r>
-              <a:t>“In the second half of the nineteenth century… fifty million people left Europe temperate settlements… and about the same number left India and China to work mainly as laborers in the tropics on plantations, in mines, or in construction projects…”</a:t>
-            </a:r>
-          </a:p>
-          <a:p>
-            <a:pPr marL="195452" indent="-195452" defTabSz="260604">
+              <a:t>“The smallness of the market was one constraint on industrialization…” </a:t>
+            </a:r>
+          </a:p>
+          <a:p>
+            <a:pPr marL="274320" indent="-274320" defTabSz="365760">
               <a:spcBef>
-                <a:spcPts val="600"/>
+                <a:spcPts val="900"/>
               </a:spcBef>
-              <a:defRPr sz="1710"/>
+              <a:defRPr sz="2400"/>
             </a:pPr>
             <a:r>
-              <a:t>“The availability of these two streams set the terms of trade for tropical and temperate agricultural commodities…”</a:t>
-            </a:r>
-          </a:p>
-          <a:p>
-            <a:pPr marL="195452" indent="-195452" defTabSz="260604">
+              <a:t>“The absence of an investment climate was another…”</a:t>
+            </a:r>
+          </a:p>
+          <a:p>
+            <a:pPr marL="274320" indent="-274320" defTabSz="365760">
               <a:spcBef>
-                <a:spcPts val="600"/>
+                <a:spcPts val="900"/>
               </a:spcBef>
-              <a:defRPr sz="1710"/>
+              <a:defRPr sz="2400"/>
             </a:pPr>
             <a:r>
-              <a:t>“For temperate commodities, the market forces set prices that could attract European immigrants…"</a:t>
-            </a:r>
-          </a:p>
-          <a:p>
-            <a:pPr marL="195452" indent="-195452" defTabSz="260604">
+              <a:t>“And so the world divided: countries that industrialized and exported manufactures, and countries that exported agricultural products. The speed of this adjustment… created an illusion… an article of faith in Western Europe that the tropical countries had a comparative advantage in agriculture…”</a:t>
+            </a:r>
+          </a:p>
+          <a:p>
+            <a:pPr marL="274320" indent="-274320" defTabSz="365760">
               <a:spcBef>
-                <a:spcPts val="600"/>
+                <a:spcPts val="900"/>
               </a:spcBef>
-              <a:defRPr sz="1710"/>
+              <a:defRPr sz="2400"/>
             </a:pPr>
             <a:r>
-              <a:t>“For tropical commodities they set prices that would sustain indentured Indians…”</a:t>
-            </a:r>
-          </a:p>
-          <a:p>
-            <a:pPr marL="195452" indent="-195452" defTabSz="260604">
-              <a:spcBef>
-                <a:spcPts val="600"/>
-              </a:spcBef>
-              <a:defRPr sz="1710"/>
-            </a:pPr>
-            <a:r>
-              <a:t>“In Britain, which was the largest single source of European migration, the yield of wheat by 1900 was 1,600 lbs. per acre, compared to the tropical yield of 700 lbs. of grain per acre…. The yield per man must have been six or seven times larger…”</a:t>
-            </a:r>
-          </a:p>
-          <a:p>
-            <a:pPr marL="195452" indent="-195452" defTabSz="260604">
-              <a:spcBef>
-                <a:spcPts val="600"/>
-              </a:spcBef>
-              <a:defRPr sz="1710"/>
-            </a:pPr>
-            <a:r>
-              <a:t>“New temperate settlements could attract European immigrants… only by offering income levels higher than prevailed in Northwest Europe…”</a:t>
-            </a:r>
-          </a:p>
-          <a:p>
-            <a:pPr marL="195452" indent="-195452" defTabSz="260604">
-              <a:spcBef>
-                <a:spcPts val="600"/>
-              </a:spcBef>
-              <a:defRPr sz="1710"/>
-            </a:pPr>
-            <a:r>
-              <a:t>“In the tropical situation… any prices for tea or rubber or peanuts that would offer a standard of living in excess of the 700 lbs. of grain per acre level were an improvement…. There was an unlimited supply of Indians and Chinese willing to travel anywhere to work on plantations for a shilling a day. This stream of migrants… set the tropical prices…”</a:t>
+              <a:t>“In fact, as Indian textile production soon began to show, between the tropical and temperate countries, the differences in food production per head were much greater than the differences in industrial production per head…”</a:t>
             </a:r>
           </a:p>
         </p:txBody>
@@ -2830,7 +2798,7 @@
       </p:grpSpPr>
       <p:sp>
         <p:nvSpPr>
-          <p:cNvPr id="91" name="The Productivity Trap"/>
+          <p:cNvPr id="92" name="The Factoral Terms of Trade"/>
           <p:cNvSpPr txBox="1"/>
           <p:nvPr>
             <p:ph type="title" idx="4294967295"/>
@@ -2850,21 +2818,21 @@
             <a:normAutofit fontScale="100000" lnSpcReduction="0"/>
           </a:bodyPr>
           <a:lstStyle>
-            <a:lvl1pPr defTabSz="411479">
-              <a:defRPr sz="7200"/>
+            <a:lvl1pPr defTabSz="320039">
+              <a:defRPr sz="5600"/>
             </a:lvl1pPr>
           </a:lstStyle>
           <a:p>
             <a:pPr/>
             <a:r>
-              <a:t>The Productivity Trap</a:t>
+              <a:t>The Factoral Terms of Trade</a:t>
             </a:r>
           </a:p>
         </p:txBody>
       </p:sp>
       <p:sp>
         <p:nvSpPr>
-          <p:cNvPr id="92" name="“Tropical countries cannot escape from these unfavorable terms of trade by increasing productivity in the commodities they export, since this will reduce reduce the prices of such commodities. We have seen this quite clearly in the two commodities in which productivity has risen most, sugar and rubber…”…"/>
+          <p:cNvPr id="93" name="“In the second half of the nineteenth century… fifty million people left Europe temperate settlements… and about the same number left India and China to work mainly as laborers in the tropics on plantations, in mines, or in construction projects…”…"/>
           <p:cNvSpPr txBox="1"/>
           <p:nvPr>
             <p:ph type="body" idx="4294967295"/>
@@ -2885,25 +2853,80 @@
           </a:bodyPr>
           <a:lstStyle/>
           <a:p>
-            <a:pPr marL="305180" indent="-305180" defTabSz="406908">
+            <a:pPr marL="195452" indent="-195452" defTabSz="260604">
               <a:spcBef>
-                <a:spcPts val="1000"/>
+                <a:spcPts val="600"/>
               </a:spcBef>
-              <a:defRPr sz="2670"/>
+              <a:defRPr sz="1710"/>
             </a:pPr>
             <a:r>
-              <a:t>“Tropical countries cannot escape from these unfavorable terms of trade by increasing productivity in the commodities they export, since this will reduce reduce the prices of such commodities. We have seen this quite clearly in the two commodities in which productivity has risen most, sugar and rubber…”</a:t>
-            </a:r>
-          </a:p>
-          <a:p>
-            <a:pPr marL="305180" indent="-305180" defTabSz="406908">
+              <a:t>“In the second half of the nineteenth century… fifty million people left Europe temperate settlements… and about the same number left India and China to work mainly as laborers in the tropics on plantations, in mines, or in construction projects…”</a:t>
+            </a:r>
+          </a:p>
+          <a:p>
+            <a:pPr marL="195452" indent="-195452" defTabSz="260604">
               <a:spcBef>
-                <a:spcPts val="1000"/>
+                <a:spcPts val="600"/>
               </a:spcBef>
-              <a:defRPr sz="2670"/>
+              <a:defRPr sz="1710"/>
             </a:pPr>
             <a:r>
-              <a:t>“A farmer in Nigeria might tend his peanuts with as much diligence and skill as a farmer in Australia tended his sheep, but the return would be very different…. The market price gave the Nigerian for his peanuts a 700-lbs.-of-grain-per-acre acre level of living, and the Australian for his wool a 1600-lbs.-per-acre level of living…”</a:t>
+              <a:t>“The availability of these two streams set the terms of trade for tropical and temperate agricultural commodities…”</a:t>
+            </a:r>
+          </a:p>
+          <a:p>
+            <a:pPr marL="195452" indent="-195452" defTabSz="260604">
+              <a:spcBef>
+                <a:spcPts val="600"/>
+              </a:spcBef>
+              <a:defRPr sz="1710"/>
+            </a:pPr>
+            <a:r>
+              <a:t>“For temperate commodities, the market forces set prices that could attract European immigrants…"</a:t>
+            </a:r>
+          </a:p>
+          <a:p>
+            <a:pPr marL="195452" indent="-195452" defTabSz="260604">
+              <a:spcBef>
+                <a:spcPts val="600"/>
+              </a:spcBef>
+              <a:defRPr sz="1710"/>
+            </a:pPr>
+            <a:r>
+              <a:t>“For tropical commodities they set prices that would sustain indentured Indians…”</a:t>
+            </a:r>
+          </a:p>
+          <a:p>
+            <a:pPr marL="195452" indent="-195452" defTabSz="260604">
+              <a:spcBef>
+                <a:spcPts val="600"/>
+              </a:spcBef>
+              <a:defRPr sz="1710"/>
+            </a:pPr>
+            <a:r>
+              <a:t>“In Britain, which was the largest single source of European migration, the yield of wheat by 1900 was 1,600 lbs. per acre, compared to the tropical yield of 700 lbs. of grain per acre…. The yield per man must have been six or seven times larger…”</a:t>
+            </a:r>
+          </a:p>
+          <a:p>
+            <a:pPr marL="195452" indent="-195452" defTabSz="260604">
+              <a:spcBef>
+                <a:spcPts val="600"/>
+              </a:spcBef>
+              <a:defRPr sz="1710"/>
+            </a:pPr>
+            <a:r>
+              <a:t>“New temperate settlements could attract European immigrants… only by offering income levels higher than prevailed in Northwest Europe…”</a:t>
+            </a:r>
+          </a:p>
+          <a:p>
+            <a:pPr marL="195452" indent="-195452" defTabSz="260604">
+              <a:spcBef>
+                <a:spcPts val="600"/>
+              </a:spcBef>
+              <a:defRPr sz="1710"/>
+            </a:pPr>
+            <a:r>
+              <a:t>“In the tropical situation… any prices for tea or rubber or peanuts that would offer a standard of living in excess of the 700 lbs. of grain per acre level were an improvement…. There was an unlimited supply of Indians and Chinese willing to travel anywhere to work on plantations for a shilling a day. This stream of migrants… set the tropical prices…”</a:t>
             </a:r>
           </a:p>
         </p:txBody>
@@ -2936,7 +2959,7 @@
       </p:grpSpPr>
       <p:sp>
         <p:nvSpPr>
-          <p:cNvPr id="94" name="But No Industrialization"/>
+          <p:cNvPr id="95" name="The Productivity Trap"/>
           <p:cNvSpPr txBox="1"/>
           <p:nvPr>
             <p:ph type="title" idx="4294967295"/>
@@ -2956,21 +2979,21 @@
             <a:normAutofit fontScale="100000" lnSpcReduction="0"/>
           </a:bodyPr>
           <a:lstStyle>
-            <a:lvl1pPr defTabSz="370331">
-              <a:defRPr sz="6480"/>
+            <a:lvl1pPr defTabSz="411479">
+              <a:defRPr sz="7200"/>
             </a:lvl1pPr>
           </a:lstStyle>
           <a:p>
             <a:pPr/>
             <a:r>
-              <a:t>But No Industrialization</a:t>
+              <a:t>The Productivity Trap</a:t>
             </a:r>
           </a:p>
         </p:txBody>
       </p:sp>
       <p:sp>
         <p:nvSpPr>
-          <p:cNvPr id="95" name="“To a large extent the import and export trades of these countries were controlled by foreign hands…. Had trading profits accumulated in domestic hands, there would have been more domestic reinvestment, and almost certainly more interest in domestic manufacturing. Foreigners participated heavily in the trade trade of these countries for a variety of economic, cultural, and political reasons…”…"/>
+          <p:cNvPr id="96" name="“Tropical countries cannot escape from these unfavorable terms of trade by increasing productivity in the commodities they export, since this will reduce reduce the prices of such commodities. We have seen this quite clearly in the two commodities in which productivity has risen most, sugar and rubber…”…"/>
           <p:cNvSpPr txBox="1"/>
           <p:nvPr>
             <p:ph type="body" idx="4294967295"/>
@@ -2991,36 +3014,25 @@
           </a:bodyPr>
           <a:lstStyle/>
           <a:p>
-            <a:pPr marL="233172" indent="-233172" defTabSz="310895">
+            <a:pPr marL="305180" indent="-305180" defTabSz="406908">
               <a:spcBef>
-                <a:spcPts val="800"/>
+                <a:spcPts val="1000"/>
               </a:spcBef>
-              <a:defRPr sz="2040"/>
+              <a:defRPr sz="2670"/>
             </a:pPr>
             <a:r>
-              <a:t>“To a large extent the import and export trades of these countries were controlled by foreign hands…. Had trading profits accumulated in domestic hands, there would have been more domestic reinvestment, and almost certainly more interest in domestic manufacturing. Foreigners participated heavily in the trade trade of these countries for a variety of economic, cultural, and political reasons…”</a:t>
-            </a:r>
-          </a:p>
-          <a:p>
-            <a:pPr marL="233172" indent="-233172" defTabSz="310895">
+              <a:t>“Tropical countries cannot escape from these unfavorable terms of trade by increasing productivity in the commodities they export, since this will reduce reduce the prices of such commodities. We have seen this quite clearly in the two commodities in which productivity has risen most, sugar and rubber…”</a:t>
+            </a:r>
+          </a:p>
+          <a:p>
+            <a:pPr marL="305180" indent="-305180" defTabSz="406908">
               <a:spcBef>
-                <a:spcPts val="800"/>
+                <a:spcPts val="1000"/>
               </a:spcBef>
-              <a:defRPr sz="2040"/>
+              <a:defRPr sz="2670"/>
             </a:pPr>
             <a:r>
-              <a:t>“Participation in trade itself whets the appetite for foreign goods.… The consumer learns to prefer wheat to yams and cement to local building materials…”</a:t>
-            </a:r>
-          </a:p>
-          <a:p>
-            <a:pPr marL="233172" indent="-233172" defTabSz="310895">
-              <a:spcBef>
-                <a:spcPts val="800"/>
-              </a:spcBef>
-              <a:defRPr sz="2040"/>
-            </a:pPr>
-            <a:r>
-              <a:t>“The industrial forces… [had not] conquered the government.… The fact is that the very success of the country in exporting created a vested interest of those who lived by primary production—small farmers no less than big capitalists—and who opposed measures  for industrialization, whether because they might deflect resources from agriculture and raise factor prices, or because they might result in raising the prices of manufactured goods…”</a:t>
+              <a:t>“A farmer in Nigeria might tend his peanuts with as much diligence and skill as a farmer in Australia tended his sheep, but the return would be very different…. The market price gave the Nigerian for his peanuts a 700-lbs.-of-grain-per-acre acre level of living, and the Australian for his wool a 1600-lbs.-per-acre level of living…”</a:t>
             </a:r>
           </a:p>
         </p:txBody>
@@ -3053,7 +3065,7 @@
       </p:grpSpPr>
       <p:sp>
         <p:nvSpPr>
-          <p:cNvPr id="97" name="Australia vs. Argentina"/>
+          <p:cNvPr id="98" name="But No Industrialization"/>
           <p:cNvSpPr txBox="1"/>
           <p:nvPr>
             <p:ph type="title" idx="4294967295"/>
@@ -3073,21 +3085,21 @@
             <a:normAutofit fontScale="100000" lnSpcReduction="0"/>
           </a:bodyPr>
           <a:lstStyle>
-            <a:lvl1pPr defTabSz="388620">
-              <a:defRPr sz="6800"/>
+            <a:lvl1pPr defTabSz="370331">
+              <a:defRPr sz="6480"/>
             </a:lvl1pPr>
           </a:lstStyle>
           <a:p>
             <a:pPr/>
             <a:r>
-              <a:t>Australia vs. Argentina</a:t>
+              <a:t>But No Industrialization</a:t>
             </a:r>
           </a:p>
         </p:txBody>
       </p:sp>
       <p:sp>
         <p:nvSpPr>
-          <p:cNvPr id="98" name="“The contrast between Argentina and Australia is particularly instructive. These two began to grow rapidly at the same time… sold the same commodities…. In 1913 their incomes per head were both in the world's top ten. But Australia industrialized rapidly, and Argentina did not…. Argentinian politics was dominated by an old, landed aristocracy. Australia had no landed aristocracy. Its politics was dominated by its urban communities, who used their power to protect industrial profits and wages…. Internal social and political structure… [rather than] the impact of external forces…”"/>
+          <p:cNvPr id="99" name="“To a large extent the import and export trades of these countries were controlled by foreign hands…. Had trading profits accumulated in domestic hands, there would have been more domestic reinvestment, and almost certainly more interest in domestic manufacturing. Foreigners participated heavily in the trade trade of these countries for a variety of economic, cultural, and political reasons…”…"/>
           <p:cNvSpPr txBox="1"/>
           <p:nvPr>
             <p:ph type="body" idx="4294967295"/>
@@ -3106,18 +3118,38 @@
           <a:bodyPr>
             <a:normAutofit fontScale="100000" lnSpcReduction="0"/>
           </a:bodyPr>
-          <a:lstStyle>
-            <a:lvl1pPr marL="318897" indent="-318897" defTabSz="425195">
+          <a:lstStyle/>
+          <a:p>
+            <a:pPr marL="233172" indent="-233172" defTabSz="310895">
               <a:spcBef>
-                <a:spcPts val="1100"/>
+                <a:spcPts val="800"/>
               </a:spcBef>
-              <a:defRPr sz="2790"/>
-            </a:lvl1pPr>
-          </a:lstStyle>
-          <a:p>
-            <a:pPr/>
-            <a:r>
-              <a:t>“The contrast between Argentina and Australia is particularly instructive. These two began to grow rapidly at the same time… sold the same commodities…. In 1913 their incomes per head were both in the world's top ten. But Australia industrialized rapidly, and Argentina did not…. Argentinian politics was dominated by an old, landed aristocracy. Australia had no landed aristocracy. Its politics was dominated by its urban communities, who used their power to protect industrial profits and wages…. Internal social and political structure… [rather than] the impact of external forces…”</a:t>
+              <a:defRPr sz="2040"/>
+            </a:pPr>
+            <a:r>
+              <a:t>“To a large extent the import and export trades of these countries were controlled by foreign hands…. Had trading profits accumulated in domestic hands, there would have been more domestic reinvestment, and almost certainly more interest in domestic manufacturing. Foreigners participated heavily in the trade trade of these countries for a variety of economic, cultural, and political reasons…”</a:t>
+            </a:r>
+          </a:p>
+          <a:p>
+            <a:pPr marL="233172" indent="-233172" defTabSz="310895">
+              <a:spcBef>
+                <a:spcPts val="800"/>
+              </a:spcBef>
+              <a:defRPr sz="2040"/>
+            </a:pPr>
+            <a:r>
+              <a:t>“Participation in trade itself whets the appetite for foreign goods.… The consumer learns to prefer wheat to yams and cement to local building materials…”</a:t>
+            </a:r>
+          </a:p>
+          <a:p>
+            <a:pPr marL="233172" indent="-233172" defTabSz="310895">
+              <a:spcBef>
+                <a:spcPts val="800"/>
+              </a:spcBef>
+              <a:defRPr sz="2040"/>
+            </a:pPr>
+            <a:r>
+              <a:t>“The industrial forces… [had not] conquered the government.… The fact is that the very success of the country in exporting created a vested interest of those who lived by primary production—small farmers no less than big capitalists—and who opposed measures  for industrialization, whether because they might deflect resources from agriculture and raise factor prices, or because they might result in raising the prices of manufactured goods…”</a:t>
             </a:r>
           </a:p>
         </p:txBody>
@@ -3150,7 +3182,104 @@
       </p:grpSpPr>
       <p:sp>
         <p:nvSpPr>
-          <p:cNvPr id="100" name="More Questions About Lewis"/>
+          <p:cNvPr id="101" name="Australia vs. Argentina"/>
+          <p:cNvSpPr txBox="1"/>
+          <p:nvPr>
+            <p:ph type="title" idx="4294967295"/>
+          </p:nvPr>
+        </p:nvSpPr>
+        <p:spPr>
+          <a:xfrm>
+            <a:off x="444500" y="0"/>
+            <a:ext cx="8255000" cy="1270001"/>
+          </a:xfrm>
+          <a:prstGeom prst="rect">
+            <a:avLst/>
+          </a:prstGeom>
+        </p:spPr>
+        <p:txBody>
+          <a:bodyPr>
+            <a:normAutofit fontScale="100000" lnSpcReduction="0"/>
+          </a:bodyPr>
+          <a:lstStyle>
+            <a:lvl1pPr defTabSz="388620">
+              <a:defRPr sz="6800"/>
+            </a:lvl1pPr>
+          </a:lstStyle>
+          <a:p>
+            <a:pPr/>
+            <a:r>
+              <a:t>Australia vs. Argentina</a:t>
+            </a:r>
+          </a:p>
+        </p:txBody>
+      </p:sp>
+      <p:sp>
+        <p:nvSpPr>
+          <p:cNvPr id="102" name="“The contrast between Argentina and Australia is particularly instructive. These two began to grow rapidly at the same time… sold the same commodities…. In 1913 their incomes per head were both in the world's top ten. But Australia industrialized rapidly, and Argentina did not…. Argentinian politics was dominated by an old, landed aristocracy. Australia had no landed aristocracy. Its politics was dominated by its urban communities, who used their power to protect industrial profits and wages…. Internal social and political structure… [rather than] the impact of external forces…”"/>
+          <p:cNvSpPr txBox="1"/>
+          <p:nvPr>
+            <p:ph type="body" idx="4294967295"/>
+          </p:nvPr>
+        </p:nvSpPr>
+        <p:spPr>
+          <a:xfrm>
+            <a:off x="444500" y="1270000"/>
+            <a:ext cx="8255000" cy="5270500"/>
+          </a:xfrm>
+          <a:prstGeom prst="rect">
+            <a:avLst/>
+          </a:prstGeom>
+        </p:spPr>
+        <p:txBody>
+          <a:bodyPr>
+            <a:normAutofit fontScale="100000" lnSpcReduction="0"/>
+          </a:bodyPr>
+          <a:lstStyle>
+            <a:lvl1pPr marL="318897" indent="-318897" defTabSz="425195">
+              <a:spcBef>
+                <a:spcPts val="1100"/>
+              </a:spcBef>
+              <a:defRPr sz="2790"/>
+            </a:lvl1pPr>
+          </a:lstStyle>
+          <a:p>
+            <a:pPr/>
+            <a:r>
+              <a:t>“The contrast between Argentina and Australia is particularly instructive. These two began to grow rapidly at the same time… sold the same commodities…. In 1913 their incomes per head were both in the world's top ten. But Australia industrialized rapidly, and Argentina did not…. Argentinian politics was dominated by an old, landed aristocracy. Australia had no landed aristocracy. Its politics was dominated by its urban communities, who used their power to protect industrial profits and wages…. Internal social and political structure… [rather than] the impact of external forces…”</a:t>
+            </a:r>
+          </a:p>
+        </p:txBody>
+      </p:sp>
+    </p:spTree>
+  </p:cSld>
+  <p:clrMapOvr>
+    <a:masterClrMapping/>
+  </p:clrMapOvr>
+  <p:transition xmlns:p14="http://schemas.microsoft.com/office/powerpoint/2010/main" spd="med" advClick="1"/>
+</p:sld>
+</file>
+
+<file path=ppt/slides/slide15.xml><?xml version="1.0" encoding="utf-8"?>
+<p:sld xmlns:a="http://schemas.openxmlformats.org/drawingml/2006/main" xmlns:r="http://schemas.openxmlformats.org/officeDocument/2006/relationships" xmlns:p="http://schemas.openxmlformats.org/presentationml/2006/main" xmlns:m="http://schemas.openxmlformats.org/officeDocument/2006/math" xmlns:a14="http://schemas.microsoft.com/office/drawing/2010/main" showMasterSp="1" showMasterPhAnim="1">
+  <p:cSld>
+    <p:spTree>
+      <p:nvGrpSpPr>
+        <p:cNvPr id="1" name=""/>
+        <p:cNvGrpSpPr/>
+        <p:nvPr/>
+      </p:nvGrpSpPr>
+      <p:grpSpPr>
+        <a:xfrm>
+          <a:off x="0" y="0"/>
+          <a:ext cx="0" cy="0"/>
+          <a:chOff x="0" y="0"/>
+          <a:chExt cx="0" cy="0"/>
+        </a:xfrm>
+      </p:grpSpPr>
+      <p:sp>
+        <p:nvSpPr>
+          <p:cNvPr id="104" name="More Questions About Lewis"/>
           <p:cNvSpPr txBox="1"/>
           <p:nvPr>
             <p:ph type="title" idx="4294967295"/>
@@ -3185,7 +3314,7 @@
       </p:sp>
       <p:sp>
         <p:nvSpPr>
-          <p:cNvPr id="101" name="Body"/>
+          <p:cNvPr id="105" name="Body"/>
           <p:cNvSpPr txBox="1"/>
           <p:nvPr>
             <p:ph type="body" sz="half" idx="4294967295"/>
@@ -3219,7 +3348,7 @@
       </p:sp>
       <p:pic>
         <p:nvPicPr>
-          <p:cNvPr id="102" name="Image" descr="Image"/>
+          <p:cNvPr id="106" name="Image" descr="Image"/>
           <p:cNvPicPr>
             <a:picLocks noChangeAspect="1"/>
           </p:cNvPicPr>
@@ -3248,7 +3377,7 @@
       </p:pic>
       <p:pic>
         <p:nvPicPr>
-          <p:cNvPr id="103" name="Image" descr="Image"/>
+          <p:cNvPr id="107" name="Image" descr="Image"/>
           <p:cNvPicPr>
             <a:picLocks noChangeAspect="1"/>
           </p:cNvPicPr>
@@ -3266,241 +3395,6 @@
           <a:xfrm>
             <a:off x="4976308" y="3900185"/>
             <a:ext cx="3961426" cy="2702293"/>
-          </a:xfrm>
-          <a:prstGeom prst="rect">
-            <a:avLst/>
-          </a:prstGeom>
-          <a:ln w="12700">
-            <a:miter lim="400000"/>
-          </a:ln>
-        </p:spPr>
-      </p:pic>
-    </p:spTree>
-  </p:cSld>
-  <p:clrMapOvr>
-    <a:masterClrMapping/>
-  </p:clrMapOvr>
-  <p:transition xmlns:p14="http://schemas.microsoft.com/office/powerpoint/2010/main" spd="med" advClick="1"/>
-</p:sld>
-</file>
-
-<file path=ppt/slides/slide15.xml><?xml version="1.0" encoding="utf-8"?>
-<p:sld xmlns:a="http://schemas.openxmlformats.org/drawingml/2006/main" xmlns:r="http://schemas.openxmlformats.org/officeDocument/2006/relationships" xmlns:p="http://schemas.openxmlformats.org/presentationml/2006/main" xmlns:m="http://schemas.openxmlformats.org/officeDocument/2006/math" xmlns:a14="http://schemas.microsoft.com/office/drawing/2010/main" showMasterSp="1" showMasterPhAnim="1">
-  <p:cSld>
-    <p:spTree>
-      <p:nvGrpSpPr>
-        <p:cNvPr id="1" name=""/>
-        <p:cNvGrpSpPr/>
-        <p:nvPr/>
-      </p:nvGrpSpPr>
-      <p:grpSpPr>
-        <a:xfrm>
-          <a:off x="0" y="0"/>
-          <a:ext cx="0" cy="0"/>
-          <a:chOff x="0" y="0"/>
-          <a:chExt cx="0" cy="0"/>
-        </a:xfrm>
-      </p:grpSpPr>
-      <p:sp>
-        <p:nvSpPr>
-          <p:cNvPr id="105" name="Reading AJR"/>
-          <p:cNvSpPr txBox="1"/>
-          <p:nvPr>
-            <p:ph type="title" idx="4294967295"/>
-          </p:nvPr>
-        </p:nvSpPr>
-        <p:spPr>
-          <a:xfrm>
-            <a:off x="277663" y="-1"/>
-            <a:ext cx="8572501" cy="1270001"/>
-          </a:xfrm>
-          <a:prstGeom prst="rect">
-            <a:avLst/>
-          </a:prstGeom>
-        </p:spPr>
-        <p:txBody>
-          <a:bodyPr>
-            <a:normAutofit fontScale="100000" lnSpcReduction="0"/>
-          </a:bodyPr>
-          <a:lstStyle>
-            <a:lvl1pPr defTabSz="443484">
-              <a:defRPr sz="7663">
-                <a:solidFill>
-                  <a:srgbClr val="800000"/>
-                </a:solidFill>
-              </a:defRPr>
-            </a:lvl1pPr>
-          </a:lstStyle>
-          <a:p>
-            <a:pPr/>
-            <a:r>
-              <a:t>Reading AJR</a:t>
-            </a:r>
-          </a:p>
-        </p:txBody>
-      </p:sp>
-      <p:sp>
-        <p:nvSpPr>
-          <p:cNvPr id="106" name="Daron Acemoglu, Simon Johnson, and James A. Robinson (2001): The Colonial Origins of Comparative Development: An Empirical Investigation &lt;https://economics.mit.edu/files/4123&gt;:"/>
-          <p:cNvSpPr txBox="1"/>
-          <p:nvPr>
-            <p:ph type="body" sz="quarter" idx="4294967295"/>
-          </p:nvPr>
-        </p:nvSpPr>
-        <p:spPr>
-          <a:xfrm>
-            <a:off x="277663" y="1270000"/>
-            <a:ext cx="8572501" cy="1270000"/>
-          </a:xfrm>
-          <a:prstGeom prst="rect">
-            <a:avLst/>
-          </a:prstGeom>
-        </p:spPr>
-        <p:txBody>
-          <a:bodyPr>
-            <a:normAutofit fontScale="100000" lnSpcReduction="0"/>
-          </a:bodyPr>
-          <a:lstStyle/>
-          <a:p>
-            <a:pPr marL="0" indent="0" defTabSz="320039">
-              <a:spcBef>
-                <a:spcPts val="500"/>
-              </a:spcBef>
-              <a:buSzTx/>
-              <a:buFontTx/>
-              <a:buNone/>
-              <a:defRPr b="1" sz="1819"/>
-            </a:pPr>
-            <a:r>
-              <a:t>Daron Acemoglu, Simon Johnson, and James A. Robinson (2001): The Colonial Origins of Comparative Development: An Empirical Investigation &lt;</a:t>
-            </a:r>
-            <a:r>
-              <a:rPr u="sng">
-                <a:solidFill>
-                  <a:srgbClr val="0000FF"/>
-                </a:solidFill>
-                <a:uFill>
-                  <a:solidFill>
-                    <a:srgbClr val="0000FF"/>
-                  </a:solidFill>
-                </a:uFill>
-                <a:hlinkClick r:id="rId2" invalidUrl="" action="" tgtFrame="" tooltip="" history="1" highlightClick="0" endSnd="0"/>
-              </a:rPr>
-              <a:t>https://economics.mit.edu/files/4123</a:t>
-            </a:r>
-            <a:r>
-              <a:t>&gt;:</a:t>
-            </a:r>
-          </a:p>
-        </p:txBody>
-      </p:sp>
-      <p:pic>
-        <p:nvPicPr>
-          <p:cNvPr id="107" name="Image" descr="Image"/>
-          <p:cNvPicPr>
-            <a:picLocks noChangeAspect="1"/>
-          </p:cNvPicPr>
-          <p:nvPr/>
-        </p:nvPicPr>
-        <p:blipFill>
-          <a:blip r:embed="rId3">
-            <a:extLst/>
-          </a:blip>
-          <a:stretch>
-            <a:fillRect/>
-          </a:stretch>
-        </p:blipFill>
-        <p:spPr>
-          <a:xfrm>
-            <a:off x="277663" y="2303421"/>
-            <a:ext cx="4249035" cy="1845093"/>
-          </a:xfrm>
-          <a:prstGeom prst="rect">
-            <a:avLst/>
-          </a:prstGeom>
-          <a:ln w="12700">
-            <a:miter lim="400000"/>
-          </a:ln>
-        </p:spPr>
-      </p:pic>
-      <p:pic>
-        <p:nvPicPr>
-          <p:cNvPr id="108" name="Image" descr="Image"/>
-          <p:cNvPicPr>
-            <a:picLocks noChangeAspect="1"/>
-          </p:cNvPicPr>
-          <p:nvPr/>
-        </p:nvPicPr>
-        <p:blipFill>
-          <a:blip r:embed="rId4">
-            <a:extLst/>
-          </a:blip>
-          <a:stretch>
-            <a:fillRect/>
-          </a:stretch>
-        </p:blipFill>
-        <p:spPr>
-          <a:xfrm>
-            <a:off x="5662155" y="2125869"/>
-            <a:ext cx="2908159" cy="1845092"/>
-          </a:xfrm>
-          <a:prstGeom prst="rect">
-            <a:avLst/>
-          </a:prstGeom>
-          <a:ln w="12700">
-            <a:miter lim="400000"/>
-          </a:ln>
-        </p:spPr>
-      </p:pic>
-      <p:pic>
-        <p:nvPicPr>
-          <p:cNvPr id="109" name="Image" descr="Image"/>
-          <p:cNvPicPr>
-            <a:picLocks noChangeAspect="1"/>
-          </p:cNvPicPr>
-          <p:nvPr/>
-        </p:nvPicPr>
-        <p:blipFill>
-          <a:blip r:embed="rId5">
-            <a:extLst/>
-          </a:blip>
-          <a:stretch>
-            <a:fillRect/>
-          </a:stretch>
-        </p:blipFill>
-        <p:spPr>
-          <a:xfrm>
-            <a:off x="277663" y="4148513"/>
-            <a:ext cx="3703931" cy="2548790"/>
-          </a:xfrm>
-          <a:prstGeom prst="rect">
-            <a:avLst/>
-          </a:prstGeom>
-          <a:ln w="12700">
-            <a:miter lim="400000"/>
-          </a:ln>
-        </p:spPr>
-      </p:pic>
-      <p:pic>
-        <p:nvPicPr>
-          <p:cNvPr id="110" name="Image" descr="Image"/>
-          <p:cNvPicPr>
-            <a:picLocks noChangeAspect="1"/>
-          </p:cNvPicPr>
-          <p:nvPr/>
-        </p:nvPicPr>
-        <p:blipFill>
-          <a:blip r:embed="rId6">
-            <a:extLst/>
-          </a:blip>
-          <a:stretch>
-            <a:fillRect/>
-          </a:stretch>
-        </p:blipFill>
-        <p:spPr>
-          <a:xfrm>
-            <a:off x="4961581" y="3964310"/>
-            <a:ext cx="3888583" cy="2732993"/>
           </a:xfrm>
           <a:prstGeom prst="rect">
             <a:avLst/>
@@ -3538,7 +3432,7 @@
       </p:grpSpPr>
       <p:sp>
         <p:nvSpPr>
-          <p:cNvPr id="112" name="Instrumental Variables"/>
+          <p:cNvPr id="109" name="Reading AJR"/>
           <p:cNvSpPr txBox="1"/>
           <p:nvPr>
             <p:ph type="title" idx="4294967295"/>
@@ -3558,18 +3452,135 @@
             <a:normAutofit fontScale="100000" lnSpcReduction="0"/>
           </a:bodyPr>
           <a:lstStyle>
-            <a:lvl1pPr defTabSz="361188">
-              <a:defRPr sz="6241"/>
+            <a:lvl1pPr defTabSz="443484">
+              <a:defRPr sz="7663">
+                <a:solidFill>
+                  <a:srgbClr val="800000"/>
+                </a:solidFill>
+              </a:defRPr>
             </a:lvl1pPr>
           </a:lstStyle>
           <a:p>
             <a:pPr/>
             <a:r>
-              <a:t>Instrumental Variables</a:t>
+              <a:t>Reading AJR</a:t>
             </a:r>
           </a:p>
         </p:txBody>
       </p:sp>
+      <p:sp>
+        <p:nvSpPr>
+          <p:cNvPr id="110" name="Daron Acemoglu, Simon Johnson, and James A. Robinson (2001): The Colonial Origins of Comparative Development: An Empirical Investigation &lt;https://economics.mit.edu/files/4123&gt;:"/>
+          <p:cNvSpPr txBox="1"/>
+          <p:nvPr>
+            <p:ph type="body" sz="quarter" idx="4294967295"/>
+          </p:nvPr>
+        </p:nvSpPr>
+        <p:spPr>
+          <a:xfrm>
+            <a:off x="277663" y="1270000"/>
+            <a:ext cx="8572501" cy="1270000"/>
+          </a:xfrm>
+          <a:prstGeom prst="rect">
+            <a:avLst/>
+          </a:prstGeom>
+        </p:spPr>
+        <p:txBody>
+          <a:bodyPr>
+            <a:normAutofit fontScale="100000" lnSpcReduction="0"/>
+          </a:bodyPr>
+          <a:lstStyle/>
+          <a:p>
+            <a:pPr marL="0" indent="0" defTabSz="320039">
+              <a:spcBef>
+                <a:spcPts val="500"/>
+              </a:spcBef>
+              <a:buSzTx/>
+              <a:buFontTx/>
+              <a:buNone/>
+              <a:defRPr b="1" sz="1819"/>
+            </a:pPr>
+            <a:r>
+              <a:t>Daron Acemoglu, Simon Johnson, and James A. Robinson (2001): The Colonial Origins of Comparative Development: An Empirical Investigation &lt;</a:t>
+            </a:r>
+            <a:r>
+              <a:rPr u="sng">
+                <a:solidFill>
+                  <a:srgbClr val="0000FF"/>
+                </a:solidFill>
+                <a:uFill>
+                  <a:solidFill>
+                    <a:srgbClr val="0000FF"/>
+                  </a:solidFill>
+                </a:uFill>
+                <a:hlinkClick r:id="rId2" invalidUrl="" action="" tgtFrame="" tooltip="" history="1" highlightClick="0" endSnd="0"/>
+              </a:rPr>
+              <a:t>https://economics.mit.edu/files/4123</a:t>
+            </a:r>
+            <a:r>
+              <a:t>&gt;:</a:t>
+            </a:r>
+          </a:p>
+        </p:txBody>
+      </p:sp>
+      <p:pic>
+        <p:nvPicPr>
+          <p:cNvPr id="111" name="Image" descr="Image"/>
+          <p:cNvPicPr>
+            <a:picLocks noChangeAspect="1"/>
+          </p:cNvPicPr>
+          <p:nvPr/>
+        </p:nvPicPr>
+        <p:blipFill>
+          <a:blip r:embed="rId3">
+            <a:extLst/>
+          </a:blip>
+          <a:stretch>
+            <a:fillRect/>
+          </a:stretch>
+        </p:blipFill>
+        <p:spPr>
+          <a:xfrm>
+            <a:off x="277663" y="2303421"/>
+            <a:ext cx="4249035" cy="1845093"/>
+          </a:xfrm>
+          <a:prstGeom prst="rect">
+            <a:avLst/>
+          </a:prstGeom>
+          <a:ln w="12700">
+            <a:miter lim="400000"/>
+          </a:ln>
+        </p:spPr>
+      </p:pic>
+      <p:pic>
+        <p:nvPicPr>
+          <p:cNvPr id="112" name="Image" descr="Image"/>
+          <p:cNvPicPr>
+            <a:picLocks noChangeAspect="1"/>
+          </p:cNvPicPr>
+          <p:nvPr/>
+        </p:nvPicPr>
+        <p:blipFill>
+          <a:blip r:embed="rId4">
+            <a:extLst/>
+          </a:blip>
+          <a:stretch>
+            <a:fillRect/>
+          </a:stretch>
+        </p:blipFill>
+        <p:spPr>
+          <a:xfrm>
+            <a:off x="5662155" y="2125869"/>
+            <a:ext cx="2908159" cy="1845092"/>
+          </a:xfrm>
+          <a:prstGeom prst="rect">
+            <a:avLst/>
+          </a:prstGeom>
+          <a:ln w="12700">
+            <a:miter lim="400000"/>
+          </a:ln>
+        </p:spPr>
+      </p:pic>
       <p:pic>
         <p:nvPicPr>
           <p:cNvPr id="113" name="Image" descr="Image"/>
@@ -3579,7 +3590,7 @@
           <p:nvPr/>
         </p:nvPicPr>
         <p:blipFill>
-          <a:blip r:embed="rId2">
+          <a:blip r:embed="rId5">
             <a:extLst/>
           </a:blip>
           <a:stretch>
@@ -3588,8 +3599,8 @@
         </p:blipFill>
         <p:spPr>
           <a:xfrm>
-            <a:off x="277663" y="1270000"/>
-            <a:ext cx="3446479" cy="2701869"/>
+            <a:off x="277663" y="4148513"/>
+            <a:ext cx="3703931" cy="2548790"/>
           </a:xfrm>
           <a:prstGeom prst="rect">
             <a:avLst/>
@@ -3608,7 +3619,7 @@
           <p:nvPr/>
         </p:nvPicPr>
         <p:blipFill>
-          <a:blip r:embed="rId3">
+          <a:blip r:embed="rId6">
             <a:extLst/>
           </a:blip>
           <a:stretch>
@@ -3617,66 +3628,8 @@
         </p:blipFill>
         <p:spPr>
           <a:xfrm>
-            <a:off x="5464488" y="1270000"/>
-            <a:ext cx="3385676" cy="2701869"/>
-          </a:xfrm>
-          <a:prstGeom prst="rect">
-            <a:avLst/>
-          </a:prstGeom>
-          <a:ln w="12700">
-            <a:miter lim="400000"/>
-          </a:ln>
-        </p:spPr>
-      </p:pic>
-      <p:pic>
-        <p:nvPicPr>
-          <p:cNvPr id="115" name="Image" descr="Image"/>
-          <p:cNvPicPr>
-            <a:picLocks noChangeAspect="1"/>
-          </p:cNvPicPr>
-          <p:nvPr/>
-        </p:nvPicPr>
-        <p:blipFill>
-          <a:blip r:embed="rId4">
-            <a:extLst/>
-          </a:blip>
-          <a:stretch>
-            <a:fillRect/>
-          </a:stretch>
-        </p:blipFill>
-        <p:spPr>
-          <a:xfrm>
-            <a:off x="277663" y="3971868"/>
-            <a:ext cx="3948885" cy="2701869"/>
-          </a:xfrm>
-          <a:prstGeom prst="rect">
-            <a:avLst/>
-          </a:prstGeom>
-          <a:ln w="12700">
-            <a:miter lim="400000"/>
-          </a:ln>
-        </p:spPr>
-      </p:pic>
-      <p:pic>
-        <p:nvPicPr>
-          <p:cNvPr id="116" name="Image" descr="Image"/>
-          <p:cNvPicPr>
-            <a:picLocks noChangeAspect="1"/>
-          </p:cNvPicPr>
-          <p:nvPr/>
-        </p:nvPicPr>
-        <p:blipFill>
-          <a:blip r:embed="rId5">
-            <a:extLst/>
-          </a:blip>
-          <a:stretch>
-            <a:fillRect/>
-          </a:stretch>
-        </p:blipFill>
-        <p:spPr>
-          <a:xfrm>
-            <a:off x="5216881" y="3971868"/>
-            <a:ext cx="3633283" cy="2701869"/>
+            <a:off x="4961581" y="3964310"/>
+            <a:ext cx="3888583" cy="2732993"/>
           </a:xfrm>
           <a:prstGeom prst="rect">
             <a:avLst/>
@@ -3714,7 +3667,7 @@
       </p:grpSpPr>
       <p:sp>
         <p:nvSpPr>
-          <p:cNvPr id="118" name="Conclusions?"/>
+          <p:cNvPr id="116" name="Instrumental Variables"/>
           <p:cNvSpPr txBox="1"/>
           <p:nvPr>
             <p:ph type="title" idx="4294967295"/>
@@ -3722,8 +3675,8 @@
         </p:nvSpPr>
         <p:spPr>
           <a:xfrm>
-            <a:off x="457200" y="-1"/>
-            <a:ext cx="8229600" cy="1508126"/>
+            <a:off x="277663" y="-1"/>
+            <a:ext cx="8572501" cy="1270001"/>
           </a:xfrm>
           <a:prstGeom prst="rect">
             <a:avLst/>
@@ -3734,49 +3687,134 @@
             <a:normAutofit fontScale="100000" lnSpcReduction="0"/>
           </a:bodyPr>
           <a:lstStyle>
-            <a:lvl1pPr>
-              <a:defRPr sz="6000"/>
+            <a:lvl1pPr defTabSz="361188">
+              <a:defRPr sz="6241"/>
             </a:lvl1pPr>
           </a:lstStyle>
           <a:p>
             <a:pPr/>
             <a:r>
-              <a:t>Conclusions?</a:t>
+              <a:t>Instrumental Variables</a:t>
             </a:r>
           </a:p>
         </p:txBody>
       </p:sp>
-      <p:sp>
-        <p:nvSpPr>
-          <p:cNvPr id="119" name="Body"/>
-          <p:cNvSpPr txBox="1"/>
-          <p:nvPr>
-            <p:ph type="body" idx="4294967295"/>
-          </p:nvPr>
-        </p:nvSpPr>
+      <p:pic>
+        <p:nvPicPr>
+          <p:cNvPr id="117" name="Image" descr="Image"/>
+          <p:cNvPicPr>
+            <a:picLocks noChangeAspect="1"/>
+          </p:cNvPicPr>
+          <p:nvPr/>
+        </p:nvPicPr>
+        <p:blipFill>
+          <a:blip r:embed="rId2">
+            <a:extLst/>
+          </a:blip>
+          <a:stretch>
+            <a:fillRect/>
+          </a:stretch>
+        </p:blipFill>
         <p:spPr>
           <a:xfrm>
-            <a:off x="457200" y="1600200"/>
-            <a:ext cx="8229600" cy="4655195"/>
+            <a:off x="277663" y="1270000"/>
+            <a:ext cx="3446479" cy="2701869"/>
           </a:xfrm>
           <a:prstGeom prst="rect">
             <a:avLst/>
           </a:prstGeom>
+          <a:ln w="12700">
+            <a:miter lim="400000"/>
+          </a:ln>
         </p:spPr>
-        <p:txBody>
-          <a:bodyPr>
-            <a:normAutofit fontScale="100000" lnSpcReduction="0"/>
-          </a:bodyPr>
-          <a:lstStyle/>
-          <a:p>
-            <a:pPr marL="240631" indent="-240631">
-              <a:buFontTx/>
-              <a:buAutoNum type="arabicPeriod" startAt="1"/>
-              <a:defRPr sz="1800"/>
-            </a:pPr>
-          </a:p>
-        </p:txBody>
-      </p:sp>
+      </p:pic>
+      <p:pic>
+        <p:nvPicPr>
+          <p:cNvPr id="118" name="Image" descr="Image"/>
+          <p:cNvPicPr>
+            <a:picLocks noChangeAspect="1"/>
+          </p:cNvPicPr>
+          <p:nvPr/>
+        </p:nvPicPr>
+        <p:blipFill>
+          <a:blip r:embed="rId3">
+            <a:extLst/>
+          </a:blip>
+          <a:stretch>
+            <a:fillRect/>
+          </a:stretch>
+        </p:blipFill>
+        <p:spPr>
+          <a:xfrm>
+            <a:off x="5464488" y="1270000"/>
+            <a:ext cx="3385676" cy="2701869"/>
+          </a:xfrm>
+          <a:prstGeom prst="rect">
+            <a:avLst/>
+          </a:prstGeom>
+          <a:ln w="12700">
+            <a:miter lim="400000"/>
+          </a:ln>
+        </p:spPr>
+      </p:pic>
+      <p:pic>
+        <p:nvPicPr>
+          <p:cNvPr id="119" name="Image" descr="Image"/>
+          <p:cNvPicPr>
+            <a:picLocks noChangeAspect="1"/>
+          </p:cNvPicPr>
+          <p:nvPr/>
+        </p:nvPicPr>
+        <p:blipFill>
+          <a:blip r:embed="rId4">
+            <a:extLst/>
+          </a:blip>
+          <a:stretch>
+            <a:fillRect/>
+          </a:stretch>
+        </p:blipFill>
+        <p:spPr>
+          <a:xfrm>
+            <a:off x="277663" y="3971868"/>
+            <a:ext cx="3948885" cy="2701869"/>
+          </a:xfrm>
+          <a:prstGeom prst="rect">
+            <a:avLst/>
+          </a:prstGeom>
+          <a:ln w="12700">
+            <a:miter lim="400000"/>
+          </a:ln>
+        </p:spPr>
+      </p:pic>
+      <p:pic>
+        <p:nvPicPr>
+          <p:cNvPr id="120" name="Image" descr="Image"/>
+          <p:cNvPicPr>
+            <a:picLocks noChangeAspect="1"/>
+          </p:cNvPicPr>
+          <p:nvPr/>
+        </p:nvPicPr>
+        <p:blipFill>
+          <a:blip r:embed="rId5">
+            <a:extLst/>
+          </a:blip>
+          <a:stretch>
+            <a:fillRect/>
+          </a:stretch>
+        </p:blipFill>
+        <p:spPr>
+          <a:xfrm>
+            <a:off x="5216881" y="3971868"/>
+            <a:ext cx="3633283" cy="2701869"/>
+          </a:xfrm>
+          <a:prstGeom prst="rect">
+            <a:avLst/>
+          </a:prstGeom>
+          <a:ln w="12700">
+            <a:miter lim="400000"/>
+          </a:ln>
+        </p:spPr>
+      </p:pic>
     </p:spTree>
   </p:cSld>
   <p:clrMapOvr>
@@ -3805,7 +3843,7 @@
       </p:grpSpPr>
       <p:sp>
         <p:nvSpPr>
-          <p:cNvPr id="121" name="Reading Marx"/>
+          <p:cNvPr id="122" name="Conclusions?"/>
           <p:cNvSpPr txBox="1"/>
           <p:nvPr>
             <p:ph type="title" idx="4294967295"/>
@@ -3813,8 +3851,8 @@
         </p:nvSpPr>
         <p:spPr>
           <a:xfrm>
-            <a:off x="277663" y="-1"/>
-            <a:ext cx="8572501" cy="1270001"/>
+            <a:off x="457200" y="-1"/>
+            <a:ext cx="8229600" cy="1508126"/>
           </a:xfrm>
           <a:prstGeom prst="rect">
             <a:avLst/>
@@ -3825,25 +3863,21 @@
             <a:normAutofit fontScale="100000" lnSpcReduction="0"/>
           </a:bodyPr>
           <a:lstStyle>
-            <a:lvl1pPr defTabSz="443484">
-              <a:defRPr sz="7663">
-                <a:solidFill>
-                  <a:srgbClr val="800000"/>
-                </a:solidFill>
-              </a:defRPr>
+            <a:lvl1pPr>
+              <a:defRPr sz="6000"/>
             </a:lvl1pPr>
           </a:lstStyle>
           <a:p>
             <a:pPr/>
             <a:r>
-              <a:t>Reading Marx</a:t>
+              <a:t>Conclusions?</a:t>
             </a:r>
           </a:p>
         </p:txBody>
       </p:sp>
       <p:sp>
         <p:nvSpPr>
-          <p:cNvPr id="122" name="Karl Marx (1853): The Future Results of British Rule in India &lt;http://tinyurl.com/dl20090112l&gt;:…"/>
+          <p:cNvPr id="123" name="Body"/>
           <p:cNvSpPr txBox="1"/>
           <p:nvPr>
             <p:ph type="body" idx="4294967295"/>
@@ -3851,8 +3885,8 @@
         </p:nvSpPr>
         <p:spPr>
           <a:xfrm>
-            <a:off x="277663" y="1270000"/>
-            <a:ext cx="8572501" cy="5244072"/>
+            <a:off x="457200" y="1600200"/>
+            <a:ext cx="8229600" cy="4655195"/>
           </a:xfrm>
           <a:prstGeom prst="rect">
             <a:avLst/>
@@ -3864,114 +3898,11 @@
           </a:bodyPr>
           <a:lstStyle/>
           <a:p>
-            <a:pPr marL="0" indent="0" defTabSz="338327">
-              <a:spcBef>
-                <a:spcPts val="500"/>
-              </a:spcBef>
-              <a:buSzTx/>
+            <a:pPr marL="240631" indent="-240631">
               <a:buFontTx/>
-              <a:buNone/>
-              <a:defRPr b="1" sz="1924"/>
+              <a:buAutoNum type="arabicPeriod" startAt="1"/>
+              <a:defRPr sz="1800"/>
             </a:pPr>
-            <a:r>
-              <a:t>Karl Marx (1853): The Future Results of British Rule in India &lt;</a:t>
-            </a:r>
-            <a:r>
-              <a:rPr u="sng">
-                <a:solidFill>
-                  <a:srgbClr val="0000FF"/>
-                </a:solidFill>
-                <a:uFill>
-                  <a:solidFill>
-                    <a:srgbClr val="0000FF"/>
-                  </a:solidFill>
-                </a:uFill>
-                <a:hlinkClick r:id="rId2" invalidUrl="" action="" tgtFrame="" tooltip="" history="1" highlightClick="0" endSnd="0"/>
-              </a:rPr>
-              <a:t>http://tinyurl.com/dl20090112l</a:t>
-            </a:r>
-            <a:r>
-              <a:t>&gt;:</a:t>
-            </a:r>
-          </a:p>
-          <a:p>
-            <a:pPr marL="0" indent="0" defTabSz="338327">
-              <a:spcBef>
-                <a:spcPts val="500"/>
-              </a:spcBef>
-              <a:buSzTx/>
-              <a:buFontTx/>
-              <a:buNone/>
-              <a:defRPr b="1" sz="1924"/>
-            </a:pPr>
-          </a:p>
-          <a:p>
-            <a:pPr marL="192906" indent="-192906" defTabSz="338327">
-              <a:spcBef>
-                <a:spcPts val="500"/>
-              </a:spcBef>
-              <a:buFontTx/>
-              <a:defRPr sz="1924">
-                <a:latin typeface="Times New Roman"/>
-                <a:ea typeface="Times New Roman"/>
-                <a:cs typeface="Times New Roman"/>
-                <a:sym typeface="Times New Roman"/>
-              </a:defRPr>
-            </a:pPr>
-            <a:r>
-              <a:t>The English millocracy intend to endow India with railways with the exclusive view of extracting at diminished expenses the cotton and other raw materials for their manufactures. </a:t>
-            </a:r>
-          </a:p>
-          <a:p>
-            <a:pPr marL="192906" indent="-192906" defTabSz="338327">
-              <a:spcBef>
-                <a:spcPts val="500"/>
-              </a:spcBef>
-              <a:buFontTx/>
-              <a:defRPr sz="1924">
-                <a:latin typeface="Times New Roman"/>
-                <a:ea typeface="Times New Roman"/>
-                <a:cs typeface="Times New Roman"/>
-                <a:sym typeface="Times New Roman"/>
-              </a:defRPr>
-            </a:pPr>
-            <a:r>
-              <a:t>But when you have once introduced machinery into the locomotion of a country, which possesses iron and coals, you are unable to withhold it from its fabrication. You cannot maintain a net of railways over an immense country without introducing all those industrial processes necessary to meet the immediate and current wants of railway locomotion, and out of which there must grow the application of machinery to those branches of industry not immediately connected with railways. </a:t>
-            </a:r>
-          </a:p>
-          <a:p>
-            <a:pPr marL="192906" indent="-192906" defTabSz="338327">
-              <a:spcBef>
-                <a:spcPts val="500"/>
-              </a:spcBef>
-              <a:buFontTx/>
-              <a:defRPr sz="1924">
-                <a:latin typeface="Times New Roman"/>
-                <a:ea typeface="Times New Roman"/>
-                <a:cs typeface="Times New Roman"/>
-                <a:sym typeface="Times New Roman"/>
-              </a:defRPr>
-            </a:pPr>
-            <a:r>
-              <a:t>The railway-system will therefore become, in India, truly the forerunner of modern industry. </a:t>
-            </a:r>
-          </a:p>
-          <a:p>
-            <a:pPr marL="192906" indent="-192906" defTabSz="338327">
-              <a:spcBef>
-                <a:spcPts val="500"/>
-              </a:spcBef>
-              <a:buFontTx/>
-              <a:defRPr sz="1924">
-                <a:latin typeface="Times New Roman"/>
-                <a:ea typeface="Times New Roman"/>
-                <a:cs typeface="Times New Roman"/>
-                <a:sym typeface="Times New Roman"/>
-              </a:defRPr>
-            </a:pPr>
-            <a:r>
-              <a:t>This is the more certain as the Hindoos are allowed by British authorities themselves to possess particular aptitude. for accommodating themselves to entirely new labor, and acquiring the requisite knowledge of machinery….</a:t>
-            </a:r>
           </a:p>
         </p:txBody>
       </p:sp>
@@ -4003,7 +3934,7 @@
       </p:grpSpPr>
       <p:sp>
         <p:nvSpPr>
-          <p:cNvPr id="124" name="Reading Marx II"/>
+          <p:cNvPr id="125" name="Reading Marx"/>
           <p:cNvSpPr txBox="1"/>
           <p:nvPr>
             <p:ph type="title" idx="4294967295"/>
@@ -4024,20 +3955,24 @@
           </a:bodyPr>
           <a:lstStyle>
             <a:lvl1pPr defTabSz="443484">
-              <a:defRPr sz="7663"/>
+              <a:defRPr sz="7663">
+                <a:solidFill>
+                  <a:srgbClr val="800000"/>
+                </a:solidFill>
+              </a:defRPr>
             </a:lvl1pPr>
           </a:lstStyle>
           <a:p>
             <a:pPr/>
             <a:r>
-              <a:t>Reading Marx II</a:t>
+              <a:t>Reading Marx</a:t>
             </a:r>
           </a:p>
         </p:txBody>
       </p:sp>
       <p:sp>
         <p:nvSpPr>
-          <p:cNvPr id="125" name="Modern industry, resulting from the railway system, will dissolve the hereditary divisions of labor, upon which rest the Indian castes, those decisive impediments to Indian progress and Indian power.…"/>
+          <p:cNvPr id="126" name="Karl Marx (1853): The Future Results of British Rule in India &lt;http://tinyurl.com/dl20090112l&gt;:…"/>
           <p:cNvSpPr txBox="1"/>
           <p:nvPr>
             <p:ph type="body" idx="4294967295"/>
@@ -4058,9 +3993,54 @@
           </a:bodyPr>
           <a:lstStyle/>
           <a:p>
-            <a:pPr marL="242436" indent="-242436" defTabSz="425195">
+            <a:pPr marL="0" indent="0" defTabSz="338327">
+              <a:spcBef>
+                <a:spcPts val="500"/>
+              </a:spcBef>
+              <a:buSzTx/>
               <a:buFontTx/>
-              <a:defRPr sz="2418">
+              <a:buNone/>
+              <a:defRPr b="1" sz="1924"/>
+            </a:pPr>
+            <a:r>
+              <a:t>Karl Marx (1853): The Future Results of British Rule in India &lt;</a:t>
+            </a:r>
+            <a:r>
+              <a:rPr u="sng">
+                <a:solidFill>
+                  <a:srgbClr val="0000FF"/>
+                </a:solidFill>
+                <a:uFill>
+                  <a:solidFill>
+                    <a:srgbClr val="0000FF"/>
+                  </a:solidFill>
+                </a:uFill>
+                <a:hlinkClick r:id="rId2" invalidUrl="" action="" tgtFrame="" tooltip="" history="1" highlightClick="0" endSnd="0"/>
+              </a:rPr>
+              <a:t>http://tinyurl.com/dl20090112l</a:t>
+            </a:r>
+            <a:r>
+              <a:t>&gt;:</a:t>
+            </a:r>
+          </a:p>
+          <a:p>
+            <a:pPr marL="0" indent="0" defTabSz="338327">
+              <a:spcBef>
+                <a:spcPts val="500"/>
+              </a:spcBef>
+              <a:buSzTx/>
+              <a:buFontTx/>
+              <a:buNone/>
+              <a:defRPr b="1" sz="1924"/>
+            </a:pPr>
+          </a:p>
+          <a:p>
+            <a:pPr marL="192906" indent="-192906" defTabSz="338327">
+              <a:spcBef>
+                <a:spcPts val="500"/>
+              </a:spcBef>
+              <a:buFontTx/>
+              <a:defRPr sz="1924">
                 <a:latin typeface="Times New Roman"/>
                 <a:ea typeface="Times New Roman"/>
                 <a:cs typeface="Times New Roman"/>
@@ -4068,13 +4048,16 @@
               </a:defRPr>
             </a:pPr>
             <a:r>
-              <a:t>Modern industry, resulting from the railway system, will dissolve the hereditary divisions of labor, upon which rest the Indian castes, those decisive impediments to Indian progress and Indian power.</a:t>
-            </a:r>
-          </a:p>
-          <a:p>
-            <a:pPr marL="242436" indent="-242436" defTabSz="425195">
+              <a:t>The English millocracy intend to endow India with railways with the exclusive view of extracting at diminished expenses the cotton and other raw materials for their manufactures. </a:t>
+            </a:r>
+          </a:p>
+          <a:p>
+            <a:pPr marL="192906" indent="-192906" defTabSz="338327">
+              <a:spcBef>
+                <a:spcPts val="500"/>
+              </a:spcBef>
               <a:buFontTx/>
-              <a:defRPr sz="2418">
+              <a:defRPr sz="1924">
                 <a:latin typeface="Times New Roman"/>
                 <a:ea typeface="Times New Roman"/>
                 <a:cs typeface="Times New Roman"/>
@@ -4082,13 +4065,16 @@
               </a:defRPr>
             </a:pPr>
             <a:r>
-              <a:t>All the English bourgeoisie may be forced to do will neither emancipate nor materially mend the social condition of the mass of the people, depending not only on the development of the productive powers, but on their appropriation by the people. But what they will not fail to do is to lay down the material premises for both. Has the bourgeoisie ever done more? Has it ever effected a progress without dragging individuals and people through blood and dirt, through misery and degradation?...</a:t>
-            </a:r>
-          </a:p>
-          <a:p>
-            <a:pPr marL="242436" indent="-242436" defTabSz="425195">
+              <a:t>But when you have once introduced machinery into the locomotion of a country, which possesses iron and coals, you are unable to withhold it from its fabrication. You cannot maintain a net of railways over an immense country without introducing all those industrial processes necessary to meet the immediate and current wants of railway locomotion, and out of which there must grow the application of machinery to those branches of industry not immediately connected with railways. </a:t>
+            </a:r>
+          </a:p>
+          <a:p>
+            <a:pPr marL="192906" indent="-192906" defTabSz="338327">
+              <a:spcBef>
+                <a:spcPts val="500"/>
+              </a:spcBef>
               <a:buFontTx/>
-              <a:defRPr sz="2418">
+              <a:defRPr sz="1924">
                 <a:latin typeface="Times New Roman"/>
                 <a:ea typeface="Times New Roman"/>
                 <a:cs typeface="Times New Roman"/>
@@ -4096,7 +4082,24 @@
               </a:defRPr>
             </a:pPr>
             <a:r>
-              <a:t>The devastating effects of English industry, when contemplated with regard to India, a country as vast as Europe, and containing 150 millions of acres, are palpable and confounding. </a:t>
+              <a:t>The railway-system will therefore become, in India, truly the forerunner of modern industry. </a:t>
+            </a:r>
+          </a:p>
+          <a:p>
+            <a:pPr marL="192906" indent="-192906" defTabSz="338327">
+              <a:spcBef>
+                <a:spcPts val="500"/>
+              </a:spcBef>
+              <a:buFontTx/>
+              <a:defRPr sz="1924">
+                <a:latin typeface="Times New Roman"/>
+                <a:ea typeface="Times New Roman"/>
+                <a:cs typeface="Times New Roman"/>
+                <a:sym typeface="Times New Roman"/>
+              </a:defRPr>
+            </a:pPr>
+            <a:r>
+              <a:t>This is the more certain as the Hindoos are allowed by British authorities themselves to possess particular aptitude. for accommodating themselves to entirely new labor, and acquiring the requisite knowledge of machinery….</a:t>
             </a:r>
           </a:p>
         </p:txBody>
@@ -4334,7 +4337,7 @@
       </p:grpSpPr>
       <p:sp>
         <p:nvSpPr>
-          <p:cNvPr id="127" name="Reading Marx III"/>
+          <p:cNvPr id="128" name="Reading Marx II"/>
           <p:cNvSpPr txBox="1"/>
           <p:nvPr>
             <p:ph type="title" idx="4294967295"/>
@@ -4361,14 +4364,14 @@
           <a:p>
             <a:pPr/>
             <a:r>
-              <a:t>Reading Marx III</a:t>
+              <a:t>Reading Marx II</a:t>
             </a:r>
           </a:p>
         </p:txBody>
       </p:sp>
       <p:sp>
         <p:nvSpPr>
-          <p:cNvPr id="128" name="But we must not forget… bourgeois industry and commerce create these material conditions of a new world in the same way as geological revolutions have created the surface of the earth.…"/>
+          <p:cNvPr id="129" name="Modern industry, resulting from the railway system, will dissolve the hereditary divisions of labor, upon which rest the Indian castes, those decisive impediments to Indian progress and Indian power.…"/>
           <p:cNvSpPr txBox="1"/>
           <p:nvPr>
             <p:ph type="body" idx="4294967295"/>
@@ -4389,9 +4392,9 @@
           </a:bodyPr>
           <a:lstStyle/>
           <a:p>
-            <a:pPr marL="260684" indent="-260684">
+            <a:pPr marL="242436" indent="-242436" defTabSz="425195">
               <a:buFontTx/>
-              <a:defRPr sz="2600">
+              <a:defRPr sz="2418">
                 <a:latin typeface="Times New Roman"/>
                 <a:ea typeface="Times New Roman"/>
                 <a:cs typeface="Times New Roman"/>
@@ -4399,13 +4402,13 @@
               </a:defRPr>
             </a:pPr>
             <a:r>
-              <a:t>But we must not forget… bourgeois industry and commerce create these material conditions of a new world in the same way as geological revolutions have created the surface of the earth. </a:t>
-            </a:r>
-          </a:p>
-          <a:p>
-            <a:pPr marL="260684" indent="-260684">
+              <a:t>Modern industry, resulting from the railway system, will dissolve the hereditary divisions of labor, upon which rest the Indian castes, those decisive impediments to Indian progress and Indian power.</a:t>
+            </a:r>
+          </a:p>
+          <a:p>
+            <a:pPr marL="242436" indent="-242436" defTabSz="425195">
               <a:buFontTx/>
-              <a:defRPr sz="2600">
+              <a:defRPr sz="2418">
                 <a:latin typeface="Times New Roman"/>
                 <a:ea typeface="Times New Roman"/>
                 <a:cs typeface="Times New Roman"/>
@@ -4413,7 +4416,21 @@
               </a:defRPr>
             </a:pPr>
             <a:r>
-              <a:t>When a great social revolution shall have mastered the results of the bourgeois epoch, the market of the world and the modern powers of production, and subjected them to the common control of the most advanced peoples, then only will human progress cease to resemble that hideous, pagan idol, who would not drink the nectar but from the skulls of the slain.</a:t>
+              <a:t>All the English bourgeoisie may be forced to do will neither emancipate nor materially mend the social condition of the mass of the people, depending not only on the development of the productive powers, but on their appropriation by the people. But what they will not fail to do is to lay down the material premises for both. Has the bourgeoisie ever done more? Has it ever effected a progress without dragging individuals and people through blood and dirt, through misery and degradation?...</a:t>
+            </a:r>
+          </a:p>
+          <a:p>
+            <a:pPr marL="242436" indent="-242436" defTabSz="425195">
+              <a:buFontTx/>
+              <a:defRPr sz="2418">
+                <a:latin typeface="Times New Roman"/>
+                <a:ea typeface="Times New Roman"/>
+                <a:cs typeface="Times New Roman"/>
+                <a:sym typeface="Times New Roman"/>
+              </a:defRPr>
+            </a:pPr>
+            <a:r>
+              <a:t>The devastating effects of English industry, when contemplated with regard to India, a country as vast as Europe, and containing 150 millions of acres, are palpable and confounding. </a:t>
             </a:r>
           </a:p>
         </p:txBody>
@@ -4446,7 +4463,7 @@
       </p:grpSpPr>
       <p:sp>
         <p:nvSpPr>
-          <p:cNvPr id="130" name="Lecture Next Time: Modern Economic Growth"/>
+          <p:cNvPr id="131" name="Reading Marx III"/>
           <p:cNvSpPr txBox="1"/>
           <p:nvPr>
             <p:ph type="title" idx="4294967295"/>
@@ -4466,25 +4483,21 @@
             <a:normAutofit fontScale="100000" lnSpcReduction="0"/>
           </a:bodyPr>
           <a:lstStyle>
-            <a:lvl1pPr defTabSz="214884">
-              <a:defRPr sz="3759">
-                <a:solidFill>
-                  <a:srgbClr val="800000"/>
-                </a:solidFill>
-              </a:defRPr>
+            <a:lvl1pPr defTabSz="443484">
+              <a:defRPr sz="7663"/>
             </a:lvl1pPr>
           </a:lstStyle>
           <a:p>
             <a:pPr/>
             <a:r>
-              <a:t>Lecture Next Time: Modern Economic Growth</a:t>
+              <a:t>Reading Marx III</a:t>
             </a:r>
           </a:p>
         </p:txBody>
       </p:sp>
       <p:sp>
         <p:nvSpPr>
-          <p:cNvPr id="131" name="The three key numbers in this course are: 0.15, 0.44, 2.06—the annual percentage growth rates h of the useful-ideas stock in the Commercial Revolution, Industrial Revolution, and Modern Economic Growth periods. (Or perhaps 0.2, 0.9, 2.3—the numbers for “the West”.) But is it really best thought of as 2.06 (or 2.3)? And why is it so much bigger than 0.44 (or 0.9)?:…"/>
+          <p:cNvPr id="132" name="But we must not forget… bourgeois industry and commerce create these material conditions of a new world in the same way as geological revolutions have created the surface of the earth.…"/>
           <p:cNvSpPr txBox="1"/>
           <p:nvPr>
             <p:ph type="body" idx="4294967295"/>
@@ -4493,7 +4506,7 @@
         <p:spPr>
           <a:xfrm>
             <a:off x="277663" y="1270000"/>
-            <a:ext cx="8572501" cy="5207000"/>
+            <a:ext cx="8572501" cy="5244072"/>
           </a:xfrm>
           <a:prstGeom prst="rect">
             <a:avLst/>
@@ -4505,228 +4518,31 @@
           </a:bodyPr>
           <a:lstStyle/>
           <a:p>
-            <a:pPr marL="0" indent="0">
-              <a:buSzTx/>
+            <a:pPr marL="260684" indent="-260684">
               <a:buFontTx/>
-              <a:buNone/>
-              <a:defRPr b="1" sz="1700"/>
-            </a:pPr>
-            <a:r>
-              <a:t>The three key numbers in this course are: 0.15, 0.44, 2.06—the annual percentage growth rates </a:t>
-            </a:r>
-            <a:r>
-              <a:rPr i="1"/>
-              <a:t>h</a:t>
-            </a:r>
-            <a:r>
-              <a:t> of the useful-ideas stock in the Commercial Revolution, Industrial Revolution, and Modern Economic Growth periods. (Or perhaps 0.2, 0.9, 2.3—the numbers for “the West”.) But is it really best thought of as 2.06 (or 2.3)? And why is it so much bigger than 0.44 (or 0.9)?:</a:t>
-            </a:r>
-          </a:p>
-          <a:p>
-            <a:pPr marL="0" indent="0">
-              <a:lnSpc>
-                <a:spcPts val="3800"/>
-              </a:lnSpc>
-              <a:spcBef>
-                <a:spcPts val="1200"/>
-              </a:spcBef>
-              <a:buSzTx/>
-              <a:buFontTx/>
-              <a:buNone/>
-              <a:defRPr b="1" sz="1600">
-                <a:solidFill>
-                  <a:srgbClr val="2D3B45"/>
-                </a:solidFill>
-                <a:uFillTx/>
-                <a:latin typeface="Helvetica Neue"/>
-                <a:ea typeface="Helvetica Neue"/>
-                <a:cs typeface="Helvetica Neue"/>
-                <a:sym typeface="Helvetica Neue"/>
+              <a:defRPr sz="2600">
+                <a:latin typeface="Times New Roman"/>
+                <a:ea typeface="Times New Roman"/>
+                <a:cs typeface="Times New Roman"/>
+                <a:sym typeface="Times New Roman"/>
               </a:defRPr>
             </a:pPr>
-          </a:p>
-          <a:p>
-            <a:pPr marL="0" indent="0">
-              <a:lnSpc>
-                <a:spcPts val="3800"/>
-              </a:lnSpc>
-              <a:spcBef>
-                <a:spcPts val="1200"/>
-              </a:spcBef>
-              <a:buSzTx/>
+            <a:r>
+              <a:t>But we must not forget… bourgeois industry and commerce create these material conditions of a new world in the same way as geological revolutions have created the surface of the earth. </a:t>
+            </a:r>
+          </a:p>
+          <a:p>
+            <a:pPr marL="260684" indent="-260684">
               <a:buFontTx/>
-              <a:buNone/>
-              <a:defRPr b="1" sz="1600">
-                <a:solidFill>
-                  <a:srgbClr val="2D3B45"/>
-                </a:solidFill>
-                <a:uFillTx/>
-                <a:latin typeface="Helvetica Neue"/>
-                <a:ea typeface="Helvetica Neue"/>
-                <a:cs typeface="Helvetica Neue"/>
-                <a:sym typeface="Helvetica Neue"/>
+              <a:defRPr sz="2600">
+                <a:latin typeface="Times New Roman"/>
+                <a:ea typeface="Times New Roman"/>
+                <a:cs typeface="Times New Roman"/>
+                <a:sym typeface="Times New Roman"/>
               </a:defRPr>
             </a:pPr>
             <a:r>
-              <a:t>Readings</a:t>
-            </a:r>
-            <a:r>
-              <a:rPr b="0"/>
-              <a:t>:</a:t>
-            </a:r>
-            <a:endParaRPr b="0"/>
-          </a:p>
-          <a:p>
-            <a:pPr marL="457200" indent="-317500">
-              <a:lnSpc>
-                <a:spcPts val="3800"/>
-              </a:lnSpc>
-              <a:spcBef>
-                <a:spcPts val="0"/>
-              </a:spcBef>
-              <a:buClr>
-                <a:srgbClr val="2D3B45"/>
-              </a:buClr>
-              <a:buFont typeface="Helvetica Neue"/>
-              <a:defRPr sz="1600">
-                <a:solidFill>
-                  <a:srgbClr val="2D3B45"/>
-                </a:solidFill>
-                <a:uFillTx/>
-                <a:latin typeface="Helvetica Neue"/>
-                <a:ea typeface="Helvetica Neue"/>
-                <a:cs typeface="Helvetica Neue"/>
-                <a:sym typeface="Helvetica Neue"/>
-              </a:defRPr>
-            </a:pPr>
-            <a:r>
-              <a:t>William D. Nordhaus (1997): </a:t>
-            </a:r>
-            <a:r>
-              <a:rPr i="1"/>
-              <a:t>Do Real-Output and Real-Wage Measures Capture Reality? The History of Lighting Suggests Not</a:t>
-            </a:r>
-            <a:r>
-              <a:t> &lt;</a:t>
-            </a:r>
-            <a:r>
-              <a:rPr u="sng">
-                <a:solidFill>
-                  <a:srgbClr val="0000FF"/>
-                </a:solidFill>
-                <a:uFill>
-                  <a:solidFill>
-                    <a:srgbClr val="0000FF"/>
-                  </a:solidFill>
-                </a:uFill>
-                <a:hlinkClick r:id="rId2" invalidUrl="" action="" tgtFrame="" tooltip="" history="1" highlightClick="0" endSnd="0"/>
-              </a:rPr>
-              <a:t>http://www.nber.org/chapters/c6064</a:t>
-            </a:r>
-            <a:r>
-              <a:t>&gt;</a:t>
-            </a:r>
-          </a:p>
-          <a:p>
-            <a:pPr marL="457200" indent="-317500">
-              <a:lnSpc>
-                <a:spcPts val="3800"/>
-              </a:lnSpc>
-              <a:spcBef>
-                <a:spcPts val="0"/>
-              </a:spcBef>
-              <a:buClr>
-                <a:srgbClr val="2D3B45"/>
-              </a:buClr>
-              <a:buFont typeface="Helvetica Neue"/>
-              <a:defRPr sz="1600">
-                <a:solidFill>
-                  <a:srgbClr val="2D3B45"/>
-                </a:solidFill>
-                <a:uFillTx/>
-                <a:latin typeface="Helvetica Neue"/>
-                <a:ea typeface="Helvetica Neue"/>
-                <a:cs typeface="Helvetica Neue"/>
-                <a:sym typeface="Helvetica Neue"/>
-              </a:defRPr>
-            </a:pPr>
-            <a:r>
-              <a:t>Robert Gordon (2000): </a:t>
-            </a:r>
-            <a:r>
-              <a:rPr i="1"/>
-              <a:t>Interpreting the “One Big Wave” in Long-Term Productivity Growth</a:t>
-            </a:r>
-            <a:r>
-              <a:t> &lt;</a:t>
-            </a:r>
-            <a:r>
-              <a:rPr u="sng">
-                <a:solidFill>
-                  <a:srgbClr val="0000FF"/>
-                </a:solidFill>
-                <a:uFill>
-                  <a:solidFill>
-                    <a:srgbClr val="0000FF"/>
-                  </a:solidFill>
-                </a:uFill>
-                <a:hlinkClick r:id="rId3" invalidUrl="" action="" tgtFrame="" tooltip="" history="1" highlightClick="0" endSnd="0"/>
-              </a:rPr>
-              <a:t>https://www.nber.org/papers/w7752.pdf</a:t>
-            </a:r>
-            <a:r>
-              <a:t>&gt;</a:t>
-            </a:r>
-          </a:p>
-          <a:p>
-            <a:pPr marL="457200" indent="-317500">
-              <a:lnSpc>
-                <a:spcPts val="3800"/>
-              </a:lnSpc>
-              <a:spcBef>
-                <a:spcPts val="0"/>
-              </a:spcBef>
-              <a:buClr>
-                <a:srgbClr val="2D3B45"/>
-              </a:buClr>
-              <a:buFont typeface="Helvetica Neue"/>
-              <a:defRPr sz="1600">
-                <a:solidFill>
-                  <a:srgbClr val="2D3B45"/>
-                </a:solidFill>
-                <a:uFillTx/>
-                <a:latin typeface="Helvetica Neue"/>
-                <a:ea typeface="Helvetica Neue"/>
-                <a:cs typeface="Helvetica Neue"/>
-                <a:sym typeface="Helvetica Neue"/>
-              </a:defRPr>
-            </a:pPr>
-            <a:r>
-              <a:t>Peter Thompson (2001): </a:t>
-            </a:r>
-            <a:r>
-              <a:rPr i="1"/>
-              <a:t>How Much Did the Liberty Shipbuilders Learn?  New Evidence for an Old Case Study</a:t>
-            </a:r>
-            <a:r>
-              <a:t> &lt;</a:t>
-            </a:r>
-            <a:r>
-              <a:rPr u="sng">
-                <a:solidFill>
-                  <a:srgbClr val="0000FF"/>
-                </a:solidFill>
-                <a:uFill>
-                  <a:solidFill>
-                    <a:srgbClr val="0000FF"/>
-                  </a:solidFill>
-                </a:uFill>
-                <a:hlinkClick r:id="rId4" invalidUrl="" action="" tgtFrame="" tooltip="" history="1" highlightClick="0" endSnd="0"/>
-              </a:rPr>
-              <a:t>http://www.jstor.org/stable/pdfplus/10.1086/318605.pdf</a:t>
-            </a:r>
-            <a:r>
-              <a:t>&gt;</a:t>
+              <a:t>When a great social revolution shall have mastered the results of the bourgeois epoch, the market of the world and the modern powers of production, and subjected them to the common control of the most advanced peoples, then only will human progress cease to resemble that hideous, pagan idol, who would not drink the nectar but from the skulls of the slain.</a:t>
             </a:r>
           </a:p>
         </p:txBody>
@@ -4759,27 +4575,25 @@
       </p:grpSpPr>
       <p:sp>
         <p:nvSpPr>
-          <p:cNvPr id="133" name="Assignment Next Time:Unfreedom"/>
+          <p:cNvPr id="134" name="Catch Our Breath…"/>
           <p:cNvSpPr txBox="1"/>
           <p:nvPr>
-            <p:ph type="title" idx="4294967295"/>
+            <p:ph type="title"/>
           </p:nvPr>
         </p:nvSpPr>
         <p:spPr>
           <a:xfrm>
-            <a:off x="277663" y="-1"/>
-            <a:ext cx="8572501" cy="1270001"/>
+            <a:off x="390757" y="-1"/>
+            <a:ext cx="8255001" cy="1587501"/>
           </a:xfrm>
           <a:prstGeom prst="rect">
             <a:avLst/>
           </a:prstGeom>
         </p:spPr>
         <p:txBody>
-          <a:bodyPr>
-            <a:normAutofit fontScale="100000" lnSpcReduction="0"/>
-          </a:bodyPr>
+          <a:bodyPr/>
           <a:lstStyle>
-            <a:lvl1pPr defTabSz="228600">
+            <a:lvl1pPr>
               <a:defRPr>
                 <a:solidFill>
                   <a:srgbClr val="800000"/>
@@ -4790,263 +4604,92 @@
           <a:p>
             <a:pPr/>
             <a:r>
-              <a:t>Assignment Next Time:Unfreedom</a:t>
+              <a:t>Catch Our Breath…</a:t>
             </a:r>
           </a:p>
         </p:txBody>
       </p:sp>
       <p:sp>
         <p:nvSpPr>
-          <p:cNvPr id="134" name="What relevance and use does a work like Karl Marx and Friedrich Engels (1848), &quot;Manifesto of the Communist Party&quot; have to twenty-first century economists today?…"/>
+          <p:cNvPr id="135" name="Ask a couple of questions?…"/>
           <p:cNvSpPr txBox="1"/>
           <p:nvPr>
-            <p:ph type="body" idx="4294967295"/>
+            <p:ph type="body" sz="half" idx="1"/>
           </p:nvPr>
         </p:nvSpPr>
         <p:spPr>
           <a:xfrm>
-            <a:off x="277663" y="1270000"/>
-            <a:ext cx="8572501" cy="5207000"/>
+            <a:off x="390757" y="1508814"/>
+            <a:ext cx="4127501" cy="4762501"/>
           </a:xfrm>
           <a:prstGeom prst="rect">
             <a:avLst/>
           </a:prstGeom>
         </p:spPr>
         <p:txBody>
-          <a:bodyPr>
-            <a:normAutofit fontScale="100000" lnSpcReduction="0"/>
-          </a:bodyPr>
+          <a:bodyPr anchor="t"/>
           <a:lstStyle/>
           <a:p>
-            <a:pPr marL="0" indent="0">
+            <a:pPr>
               <a:spcBef>
-                <a:spcPts val="0"/>
+                <a:spcPts val="800"/>
               </a:spcBef>
-              <a:buSzTx/>
-              <a:buFontTx/>
-              <a:buNone/>
-              <a:defRPr b="1" sz="1600">
-                <a:solidFill>
-                  <a:srgbClr val="2D3B45"/>
-                </a:solidFill>
-                <a:uFillTx/>
-                <a:latin typeface="+mj-lt"/>
-                <a:ea typeface="+mj-ea"/>
-                <a:cs typeface="+mj-cs"/>
-                <a:sym typeface="Helvetica"/>
-              </a:defRPr>
             </a:pPr>
             <a:r>
-              <a:t>What relevance and use does a work like Karl Marx and Friedrich Engels (1848), "Manifesto of the Communist Party" have to twenty-first century economists today?</a:t>
-            </a:r>
-          </a:p>
-          <a:p>
-            <a:pPr marL="0" indent="0">
+              <a:t>Ask a couple of questions? </a:t>
+            </a:r>
+          </a:p>
+          <a:p>
+            <a:pPr>
               <a:spcBef>
-                <a:spcPts val="0"/>
+                <a:spcPts val="800"/>
               </a:spcBef>
-              <a:buSzTx/>
-              <a:buFontTx/>
-              <a:buNone/>
-              <a:defRPr sz="1600">
-                <a:solidFill>
-                  <a:srgbClr val="2D3B45"/>
-                </a:solidFill>
-                <a:uFillTx/>
-                <a:latin typeface="+mj-lt"/>
-                <a:ea typeface="+mj-ea"/>
-                <a:cs typeface="+mj-cs"/>
-                <a:sym typeface="Helvetica"/>
-              </a:defRPr>
             </a:pPr>
-          </a:p>
-          <a:p>
-            <a:pPr marL="0" indent="0">
+            <a:r>
+              <a:t>Make a couple of comments?</a:t>
+            </a:r>
+          </a:p>
+          <a:p>
+            <a:pPr>
               <a:spcBef>
-                <a:spcPts val="0"/>
+                <a:spcPts val="800"/>
               </a:spcBef>
-              <a:buSzTx/>
-              <a:buFontTx/>
-              <a:buNone/>
-              <a:defRPr b="1" sz="1600">
-                <a:solidFill>
-                  <a:srgbClr val="2D3B45"/>
-                </a:solidFill>
-                <a:uFillTx/>
-                <a:latin typeface="Times New Roman"/>
-                <a:ea typeface="Times New Roman"/>
-                <a:cs typeface="Times New Roman"/>
-                <a:sym typeface="Times New Roman"/>
-              </a:defRPr>
             </a:pPr>
             <a:r>
-              <a:t>Readings</a:t>
-            </a:r>
-            <a:r>
-              <a:rPr b="0"/>
-              <a:t>:</a:t>
-            </a:r>
-            <a:endParaRPr b="0"/>
-          </a:p>
-          <a:p>
-            <a:pPr marL="0" indent="0">
-              <a:spcBef>
-                <a:spcPts val="0"/>
-              </a:spcBef>
-              <a:buSzTx/>
-              <a:buFontTx/>
-              <a:buNone/>
-              <a:defRPr b="1" sz="1600">
-                <a:solidFill>
-                  <a:srgbClr val="2D3B45"/>
-                </a:solidFill>
-                <a:uFillTx/>
-                <a:latin typeface="Times New Roman"/>
-                <a:ea typeface="Times New Roman"/>
-                <a:cs typeface="Times New Roman"/>
-                <a:sym typeface="Times New Roman"/>
-              </a:defRPr>
-            </a:pPr>
-            <a:endParaRPr b="0"/>
-          </a:p>
-          <a:p>
-            <a:pPr marL="160421" indent="-160421">
-              <a:spcBef>
-                <a:spcPts val="0"/>
-              </a:spcBef>
-              <a:buFontTx/>
-              <a:defRPr sz="1600">
-                <a:solidFill>
-                  <a:srgbClr val="2D3B45"/>
-                </a:solidFill>
-                <a:uFillTx/>
-                <a:latin typeface="Times New Roman"/>
-                <a:ea typeface="Times New Roman"/>
-                <a:cs typeface="Times New Roman"/>
-                <a:sym typeface="Times New Roman"/>
-              </a:defRPr>
-            </a:pPr>
-            <a:r>
-              <a:t>Karl Marx and Friedrich Engels (1848): </a:t>
-            </a:r>
-            <a:r>
-              <a:rPr i="1"/>
-              <a:t>Manifesto of the Communist Party</a:t>
-            </a:r>
-            <a:r>
-              <a:t> &lt;</a:t>
-            </a:r>
-            <a:r>
-              <a:rPr u="sng">
-                <a:solidFill>
-                  <a:srgbClr val="0000FF"/>
-                </a:solidFill>
-                <a:uFill>
-                  <a:solidFill>
-                    <a:srgbClr val="0000FF"/>
-                  </a:solidFill>
-                </a:uFill>
-                <a:hlinkClick r:id="rId2" invalidUrl="" action="" tgtFrame="" tooltip="" history="1" highlightClick="0" endSnd="0"/>
-              </a:rPr>
-              <a:t>http://www.marxists.org/archive/marx/works/1848/communist-manifesto/</a:t>
-            </a:r>
-            <a:r>
-              <a:t>&gt;</a:t>
-            </a:r>
-          </a:p>
-          <a:p>
-            <a:pPr marL="160421" indent="-160421">
-              <a:spcBef>
-                <a:spcPts val="0"/>
-              </a:spcBef>
-              <a:buFontTx/>
-              <a:defRPr sz="1600">
-                <a:solidFill>
-                  <a:srgbClr val="2D3B45"/>
-                </a:solidFill>
-                <a:uFillTx/>
-                <a:latin typeface="Times New Roman"/>
-                <a:ea typeface="Times New Roman"/>
-                <a:cs typeface="Times New Roman"/>
-                <a:sym typeface="Times New Roman"/>
-              </a:defRPr>
-            </a:pPr>
-            <a:r>
-              <a:t>Stanley Engerman and Kenneth Sokoloff (1994): </a:t>
-            </a:r>
-            <a:r>
-              <a:rPr i="1"/>
-              <a:t>Factor Endowments, Institutio</a:t>
-            </a:r>
-            <a:r>
-              <a:t>ns and Differential Paths of Development among New World Economies &lt;</a:t>
-            </a:r>
-            <a:r>
-              <a:rPr u="sng">
-                <a:solidFill>
-                  <a:srgbClr val="0000FF"/>
-                </a:solidFill>
-                <a:uFill>
-                  <a:solidFill>
-                    <a:srgbClr val="0000FF"/>
-                  </a:solidFill>
-                </a:uFill>
-                <a:hlinkClick r:id="rId3" invalidUrl="" action="" tgtFrame="" tooltip="" history="1" highlightClick="0" endSnd="0"/>
-              </a:rPr>
-              <a:t>http://papers.nber.org/papers/h0066</a:t>
-            </a:r>
-            <a:r>
-              <a:t>&gt;</a:t>
-            </a:r>
-          </a:p>
-          <a:p>
-            <a:pPr marL="160421" indent="-160421">
-              <a:spcBef>
-                <a:spcPts val="0"/>
-              </a:spcBef>
-              <a:buFontTx/>
-              <a:defRPr sz="1600">
-                <a:solidFill>
-                  <a:srgbClr val="2D3B45"/>
-                </a:solidFill>
-                <a:uFillTx/>
-                <a:latin typeface="Times New Roman"/>
-                <a:ea typeface="Times New Roman"/>
-                <a:cs typeface="Times New Roman"/>
-                <a:sym typeface="Times New Roman"/>
-              </a:defRPr>
-            </a:pPr>
-            <a:r>
-              <a:t>Nathan Nunn (2008): </a:t>
-            </a:r>
-            <a:r>
-              <a:rPr i="1"/>
-              <a:t>The Long-Term Effects of Africa’s Slave Trades </a:t>
-            </a:r>
-            <a:r>
-              <a:t>&lt;http://</a:t>
-            </a:r>
-            <a:r>
-              <a:rPr u="sng">
-                <a:solidFill>
-                  <a:srgbClr val="0000FF"/>
-                </a:solidFill>
-                <a:uFill>
-                  <a:solidFill>
-                    <a:srgbClr val="0000FF"/>
-                  </a:solidFill>
-                </a:uFill>
-                <a:hlinkClick r:id="rId4" invalidUrl="" action="" tgtFrame="" tooltip="" history="1" highlightClick="0" endSnd="0"/>
-              </a:rPr>
-              <a:t>www.jstor.org/stable/pdfplus/25098896.pdf</a:t>
-            </a:r>
-            <a:r>
-              <a:rPr i="1"/>
-              <a:t>&gt;</a:t>
+              <a:t>Any more readings to recommend?</a:t>
             </a:r>
           </a:p>
         </p:txBody>
       </p:sp>
+      <p:pic>
+        <p:nvPicPr>
+          <p:cNvPr id="136" name="Image" descr="Image"/>
+          <p:cNvPicPr>
+            <a:picLocks noChangeAspect="1"/>
+          </p:cNvPicPr>
+          <p:nvPr/>
+        </p:nvPicPr>
+        <p:blipFill>
+          <a:blip r:embed="rId2">
+            <a:extLst/>
+          </a:blip>
+          <a:stretch>
+            <a:fillRect/>
+          </a:stretch>
+        </p:blipFill>
+        <p:spPr>
+          <a:xfrm>
+            <a:off x="4518257" y="1508814"/>
+            <a:ext cx="4127501" cy="4087583"/>
+          </a:xfrm>
+          <a:prstGeom prst="rect">
+            <a:avLst/>
+          </a:prstGeom>
+          <a:ln w="3175">
+            <a:miter lim="400000"/>
+          </a:ln>
+        </p:spPr>
+      </p:pic>
     </p:spTree>
   </p:cSld>
   <p:clrMapOvr>
@@ -5075,7 +4718,7 @@
       </p:grpSpPr>
       <p:sp>
         <p:nvSpPr>
-          <p:cNvPr id="136" name="Catch Our Breath…"/>
+          <p:cNvPr id="138" name="Notes…"/>
           <p:cNvSpPr txBox="1"/>
           <p:nvPr>
             <p:ph type="title"/>
@@ -5104,14 +4747,14 @@
           <a:p>
             <a:pPr/>
             <a:r>
-              <a:t>Catch Our Breath…</a:t>
+              <a:t>Notes…</a:t>
             </a:r>
           </a:p>
         </p:txBody>
       </p:sp>
       <p:sp>
         <p:nvSpPr>
-          <p:cNvPr id="137" name="Ask a couple of questions?…"/>
+          <p:cNvPr id="139" name="Body"/>
           <p:cNvSpPr txBox="1"/>
           <p:nvPr>
             <p:ph type="body" sz="half" idx="1"/>
@@ -5120,7 +4763,7 @@
         <p:spPr>
           <a:xfrm>
             <a:off x="390757" y="1508814"/>
-            <a:ext cx="4127501" cy="4762501"/>
+            <a:ext cx="4127501" cy="4087583"/>
           </a:xfrm>
           <a:prstGeom prst="rect">
             <a:avLst/>
@@ -5135,35 +4778,12 @@
                 <a:spcPts val="800"/>
               </a:spcBef>
             </a:pPr>
-            <a:r>
-              <a:t>Ask a couple of questions? </a:t>
-            </a:r>
-          </a:p>
-          <a:p>
-            <a:pPr>
-              <a:spcBef>
-                <a:spcPts val="800"/>
-              </a:spcBef>
-            </a:pPr>
-            <a:r>
-              <a:t>Make a couple of comments?</a:t>
-            </a:r>
-          </a:p>
-          <a:p>
-            <a:pPr>
-              <a:spcBef>
-                <a:spcPts val="800"/>
-              </a:spcBef>
-            </a:pPr>
-            <a:r>
-              <a:t>Any more readings to recommend?</a:t>
-            </a:r>
           </a:p>
         </p:txBody>
       </p:sp>
       <p:pic>
         <p:nvPicPr>
-          <p:cNvPr id="138" name="Image" descr="Image"/>
+          <p:cNvPr id="140" name="Image" descr="Image"/>
           <p:cNvPicPr>
             <a:picLocks noChangeAspect="1"/>
           </p:cNvPicPr>
@@ -5218,25 +4838,340 @@
       </p:grpSpPr>
       <p:sp>
         <p:nvSpPr>
-          <p:cNvPr id="140" name="Notes…"/>
+          <p:cNvPr id="142" name="Next Time: Modern Economic Growth"/>
           <p:cNvSpPr txBox="1"/>
           <p:nvPr>
-            <p:ph type="title"/>
+            <p:ph type="title" idx="4294967295"/>
           </p:nvPr>
         </p:nvSpPr>
         <p:spPr>
           <a:xfrm>
-            <a:off x="390757" y="-1"/>
-            <a:ext cx="8255001" cy="1587501"/>
+            <a:off x="277663" y="-1"/>
+            <a:ext cx="8572501" cy="1270001"/>
           </a:xfrm>
           <a:prstGeom prst="rect">
             <a:avLst/>
           </a:prstGeom>
         </p:spPr>
         <p:txBody>
-          <a:bodyPr/>
+          <a:bodyPr>
+            <a:normAutofit fontScale="100000" lnSpcReduction="0"/>
+          </a:bodyPr>
           <a:lstStyle>
-            <a:lvl1pPr>
+            <a:lvl1pPr defTabSz="214884">
+              <a:defRPr sz="3759">
+                <a:solidFill>
+                  <a:srgbClr val="800000"/>
+                </a:solidFill>
+              </a:defRPr>
+            </a:lvl1pPr>
+          </a:lstStyle>
+          <a:p>
+            <a:pPr/>
+            <a:r>
+              <a:t>Next Time: Modern Economic Growth</a:t>
+            </a:r>
+          </a:p>
+        </p:txBody>
+      </p:sp>
+      <p:sp>
+        <p:nvSpPr>
+          <p:cNvPr id="143" name="The three key numbers in this course are: 0.15, 0.44, 2.06—the annual percentage growth rates h of the useful-ideas stock in the Commercial Revolution, Industrial Revolution, and Modern Economic Growth periods. (Or perhaps 0.2, 0.9, 2.3—the numbers for “the West”.) But is it really best thought of as 2.06 (or 2.3)? And why is it so much bigger than 0.44 (or 0.9)?:…"/>
+          <p:cNvSpPr txBox="1"/>
+          <p:nvPr>
+            <p:ph type="body" idx="4294967295"/>
+          </p:nvPr>
+        </p:nvSpPr>
+        <p:spPr>
+          <a:xfrm>
+            <a:off x="277663" y="1270000"/>
+            <a:ext cx="8572501" cy="5207000"/>
+          </a:xfrm>
+          <a:prstGeom prst="rect">
+            <a:avLst/>
+          </a:prstGeom>
+        </p:spPr>
+        <p:txBody>
+          <a:bodyPr>
+            <a:normAutofit fontScale="100000" lnSpcReduction="0"/>
+          </a:bodyPr>
+          <a:lstStyle/>
+          <a:p>
+            <a:pPr marL="0" indent="0">
+              <a:buSzTx/>
+              <a:buFontTx/>
+              <a:buNone/>
+              <a:defRPr b="1" sz="1700"/>
+            </a:pPr>
+            <a:r>
+              <a:t>The three key numbers in this course are: 0.15, 0.44, 2.06—the annual percentage growth rates </a:t>
+            </a:r>
+            <a:r>
+              <a:rPr i="1"/>
+              <a:t>h</a:t>
+            </a:r>
+            <a:r>
+              <a:t> of the useful-ideas stock in the Commercial Revolution, Industrial Revolution, and Modern Economic Growth periods. (Or perhaps 0.2, 0.9, 2.3—the numbers for “the West”.) But is it really best thought of as 2.06 (or 2.3)? And why is it so much bigger than 0.44 (or 0.9)?:</a:t>
+            </a:r>
+          </a:p>
+          <a:p>
+            <a:pPr marL="0" indent="0">
+              <a:lnSpc>
+                <a:spcPts val="3800"/>
+              </a:lnSpc>
+              <a:spcBef>
+                <a:spcPts val="1200"/>
+              </a:spcBef>
+              <a:buSzTx/>
+              <a:buFontTx/>
+              <a:buNone/>
+              <a:defRPr b="1" sz="1600">
+                <a:solidFill>
+                  <a:srgbClr val="2D3B45"/>
+                </a:solidFill>
+                <a:uFillTx/>
+                <a:latin typeface="Helvetica Neue"/>
+                <a:ea typeface="Helvetica Neue"/>
+                <a:cs typeface="Helvetica Neue"/>
+                <a:sym typeface="Helvetica Neue"/>
+              </a:defRPr>
+            </a:pPr>
+          </a:p>
+          <a:p>
+            <a:pPr marL="0" indent="0">
+              <a:lnSpc>
+                <a:spcPts val="3800"/>
+              </a:lnSpc>
+              <a:spcBef>
+                <a:spcPts val="1200"/>
+              </a:spcBef>
+              <a:buSzTx/>
+              <a:buFontTx/>
+              <a:buNone/>
+              <a:defRPr b="1" sz="1600">
+                <a:solidFill>
+                  <a:srgbClr val="2D3B45"/>
+                </a:solidFill>
+                <a:uFillTx/>
+                <a:latin typeface="Helvetica Neue"/>
+                <a:ea typeface="Helvetica Neue"/>
+                <a:cs typeface="Helvetica Neue"/>
+                <a:sym typeface="Helvetica Neue"/>
+              </a:defRPr>
+            </a:pPr>
+            <a:r>
+              <a:t>Readings</a:t>
+            </a:r>
+            <a:r>
+              <a:rPr b="0"/>
+              <a:t>:</a:t>
+            </a:r>
+            <a:endParaRPr b="0"/>
+          </a:p>
+          <a:p>
+            <a:pPr marL="457200" indent="-317500">
+              <a:lnSpc>
+                <a:spcPts val="3800"/>
+              </a:lnSpc>
+              <a:spcBef>
+                <a:spcPts val="0"/>
+              </a:spcBef>
+              <a:buClr>
+                <a:srgbClr val="2D3B45"/>
+              </a:buClr>
+              <a:buFont typeface="Helvetica Neue"/>
+              <a:defRPr sz="1600">
+                <a:solidFill>
+                  <a:srgbClr val="2D3B45"/>
+                </a:solidFill>
+                <a:uFillTx/>
+                <a:latin typeface="Helvetica Neue"/>
+                <a:ea typeface="Helvetica Neue"/>
+                <a:cs typeface="Helvetica Neue"/>
+                <a:sym typeface="Helvetica Neue"/>
+              </a:defRPr>
+            </a:pPr>
+            <a:r>
+              <a:t>William D. Nordhaus (1997): </a:t>
+            </a:r>
+            <a:r>
+              <a:rPr i="1"/>
+              <a:t>Do Real-Output and Real-Wage Measures Capture Reality? The History of Lighting Suggests Not</a:t>
+            </a:r>
+            <a:r>
+              <a:t> &lt;</a:t>
+            </a:r>
+            <a:r>
+              <a:rPr u="sng">
+                <a:solidFill>
+                  <a:srgbClr val="0000FF"/>
+                </a:solidFill>
+                <a:uFill>
+                  <a:solidFill>
+                    <a:srgbClr val="0000FF"/>
+                  </a:solidFill>
+                </a:uFill>
+                <a:hlinkClick r:id="rId2" invalidUrl="" action="" tgtFrame="" tooltip="" history="1" highlightClick="0" endSnd="0"/>
+              </a:rPr>
+              <a:t>http://www.nber.org/chapters/c6064</a:t>
+            </a:r>
+            <a:r>
+              <a:t>&gt;</a:t>
+            </a:r>
+          </a:p>
+          <a:p>
+            <a:pPr marL="457200" indent="-317500">
+              <a:lnSpc>
+                <a:spcPts val="3800"/>
+              </a:lnSpc>
+              <a:spcBef>
+                <a:spcPts val="0"/>
+              </a:spcBef>
+              <a:buClr>
+                <a:srgbClr val="2D3B45"/>
+              </a:buClr>
+              <a:buFont typeface="Helvetica Neue"/>
+              <a:defRPr sz="1600">
+                <a:solidFill>
+                  <a:srgbClr val="2D3B45"/>
+                </a:solidFill>
+                <a:uFillTx/>
+                <a:latin typeface="Helvetica Neue"/>
+                <a:ea typeface="Helvetica Neue"/>
+                <a:cs typeface="Helvetica Neue"/>
+                <a:sym typeface="Helvetica Neue"/>
+              </a:defRPr>
+            </a:pPr>
+            <a:r>
+              <a:t>Robert Gordon (2000): </a:t>
+            </a:r>
+            <a:r>
+              <a:rPr i="1"/>
+              <a:t>Interpreting the “One Big Wave” in Long-Term Productivity Growth</a:t>
+            </a:r>
+            <a:r>
+              <a:t> &lt;</a:t>
+            </a:r>
+            <a:r>
+              <a:rPr u="sng">
+                <a:solidFill>
+                  <a:srgbClr val="0000FF"/>
+                </a:solidFill>
+                <a:uFill>
+                  <a:solidFill>
+                    <a:srgbClr val="0000FF"/>
+                  </a:solidFill>
+                </a:uFill>
+                <a:hlinkClick r:id="rId3" invalidUrl="" action="" tgtFrame="" tooltip="" history="1" highlightClick="0" endSnd="0"/>
+              </a:rPr>
+              <a:t>https://www.nber.org/papers/w7752.pdf</a:t>
+            </a:r>
+            <a:r>
+              <a:t>&gt;</a:t>
+            </a:r>
+          </a:p>
+          <a:p>
+            <a:pPr marL="457200" indent="-317500">
+              <a:lnSpc>
+                <a:spcPts val="3800"/>
+              </a:lnSpc>
+              <a:spcBef>
+                <a:spcPts val="0"/>
+              </a:spcBef>
+              <a:buClr>
+                <a:srgbClr val="2D3B45"/>
+              </a:buClr>
+              <a:buFont typeface="Helvetica Neue"/>
+              <a:defRPr sz="1600">
+                <a:solidFill>
+                  <a:srgbClr val="2D3B45"/>
+                </a:solidFill>
+                <a:uFillTx/>
+                <a:latin typeface="Helvetica Neue"/>
+                <a:ea typeface="Helvetica Neue"/>
+                <a:cs typeface="Helvetica Neue"/>
+                <a:sym typeface="Helvetica Neue"/>
+              </a:defRPr>
+            </a:pPr>
+            <a:r>
+              <a:t>Peter Thompson (2001): </a:t>
+            </a:r>
+            <a:r>
+              <a:rPr i="1"/>
+              <a:t>How Much Did the Liberty Shipbuilders Learn?  New Evidence for an Old Case Study</a:t>
+            </a:r>
+            <a:r>
+              <a:t> &lt;</a:t>
+            </a:r>
+            <a:r>
+              <a:rPr u="sng">
+                <a:solidFill>
+                  <a:srgbClr val="0000FF"/>
+                </a:solidFill>
+                <a:uFill>
+                  <a:solidFill>
+                    <a:srgbClr val="0000FF"/>
+                  </a:solidFill>
+                </a:uFill>
+                <a:hlinkClick r:id="rId4" invalidUrl="" action="" tgtFrame="" tooltip="" history="1" highlightClick="0" endSnd="0"/>
+              </a:rPr>
+              <a:t>http://www.jstor.org/stable/pdfplus/10.1086/318605.pdf</a:t>
+            </a:r>
+            <a:r>
+              <a:t>&gt;</a:t>
+            </a:r>
+          </a:p>
+        </p:txBody>
+      </p:sp>
+    </p:spTree>
+  </p:cSld>
+  <p:clrMapOvr>
+    <a:masterClrMapping/>
+  </p:clrMapOvr>
+  <p:transition xmlns:p14="http://schemas.microsoft.com/office/powerpoint/2010/main" spd="med" advClick="1"/>
+</p:sld>
+</file>
+
+<file path=ppt/slides/slide25.xml><?xml version="1.0" encoding="utf-8"?>
+<p:sld xmlns:a="http://schemas.openxmlformats.org/drawingml/2006/main" xmlns:r="http://schemas.openxmlformats.org/officeDocument/2006/relationships" xmlns:p="http://schemas.openxmlformats.org/presentationml/2006/main" xmlns:m="http://schemas.openxmlformats.org/officeDocument/2006/math" xmlns:a14="http://schemas.microsoft.com/office/drawing/2010/main" showMasterSp="1" showMasterPhAnim="1">
+  <p:cSld>
+    <p:spTree>
+      <p:nvGrpSpPr>
+        <p:cNvPr id="1" name=""/>
+        <p:cNvGrpSpPr/>
+        <p:nvPr/>
+      </p:nvGrpSpPr>
+      <p:grpSpPr>
+        <a:xfrm>
+          <a:off x="0" y="0"/>
+          <a:ext cx="0" cy="0"/>
+          <a:chOff x="0" y="0"/>
+          <a:chExt cx="0" cy="0"/>
+        </a:xfrm>
+      </p:grpSpPr>
+      <p:sp>
+        <p:nvSpPr>
+          <p:cNvPr id="145" name="Assignment Next Time:Unfreedom"/>
+          <p:cNvSpPr txBox="1"/>
+          <p:nvPr>
+            <p:ph type="title" idx="4294967295"/>
+          </p:nvPr>
+        </p:nvSpPr>
+        <p:spPr>
+          <a:xfrm>
+            <a:off x="277663" y="-1"/>
+            <a:ext cx="8572501" cy="1270001"/>
+          </a:xfrm>
+          <a:prstGeom prst="rect">
+            <a:avLst/>
+          </a:prstGeom>
+        </p:spPr>
+        <p:txBody>
+          <a:bodyPr>
+            <a:normAutofit fontScale="100000" lnSpcReduction="0"/>
+          </a:bodyPr>
+          <a:lstStyle>
+            <a:lvl1pPr defTabSz="228600">
               <a:defRPr>
                 <a:solidFill>
                   <a:srgbClr val="800000"/>
@@ -5247,69 +5182,263 @@
           <a:p>
             <a:pPr/>
             <a:r>
-              <a:t>Notes…</a:t>
+              <a:t>Assignment Next Time:Unfreedom</a:t>
             </a:r>
           </a:p>
         </p:txBody>
       </p:sp>
       <p:sp>
         <p:nvSpPr>
-          <p:cNvPr id="141" name="Body"/>
+          <p:cNvPr id="146" name="What relevance and use does a work like Karl Marx and Friedrich Engels (1848), &quot;Manifesto of the Communist Party&quot; have to twenty-first century economists today?…"/>
           <p:cNvSpPr txBox="1"/>
           <p:nvPr>
-            <p:ph type="body" sz="half" idx="1"/>
+            <p:ph type="body" idx="4294967295"/>
           </p:nvPr>
         </p:nvSpPr>
         <p:spPr>
           <a:xfrm>
-            <a:off x="390757" y="1508814"/>
-            <a:ext cx="4127501" cy="4087583"/>
+            <a:off x="277663" y="1270000"/>
+            <a:ext cx="8572501" cy="5207000"/>
           </a:xfrm>
           <a:prstGeom prst="rect">
             <a:avLst/>
           </a:prstGeom>
         </p:spPr>
         <p:txBody>
-          <a:bodyPr anchor="t"/>
+          <a:bodyPr>
+            <a:normAutofit fontScale="100000" lnSpcReduction="0"/>
+          </a:bodyPr>
           <a:lstStyle/>
           <a:p>
-            <a:pPr>
+            <a:pPr marL="0" indent="0">
               <a:spcBef>
-                <a:spcPts val="800"/>
+                <a:spcPts val="0"/>
               </a:spcBef>
+              <a:buSzTx/>
+              <a:buFontTx/>
+              <a:buNone/>
+              <a:defRPr b="1" sz="1600">
+                <a:solidFill>
+                  <a:srgbClr val="2D3B45"/>
+                </a:solidFill>
+                <a:uFillTx/>
+                <a:latin typeface="+mj-lt"/>
+                <a:ea typeface="+mj-ea"/>
+                <a:cs typeface="+mj-cs"/>
+                <a:sym typeface="Helvetica"/>
+              </a:defRPr>
             </a:pPr>
+            <a:r>
+              <a:t>What relevance and use does a work like Karl Marx and Friedrich Engels (1848), "Manifesto of the Communist Party" have to twenty-first century economists today?</a:t>
+            </a:r>
+          </a:p>
+          <a:p>
+            <a:pPr marL="0" indent="0">
+              <a:spcBef>
+                <a:spcPts val="0"/>
+              </a:spcBef>
+              <a:buSzTx/>
+              <a:buFontTx/>
+              <a:buNone/>
+              <a:defRPr sz="1600">
+                <a:solidFill>
+                  <a:srgbClr val="2D3B45"/>
+                </a:solidFill>
+                <a:uFillTx/>
+                <a:latin typeface="+mj-lt"/>
+                <a:ea typeface="+mj-ea"/>
+                <a:cs typeface="+mj-cs"/>
+                <a:sym typeface="Helvetica"/>
+              </a:defRPr>
+            </a:pPr>
+          </a:p>
+          <a:p>
+            <a:pPr marL="0" indent="0">
+              <a:spcBef>
+                <a:spcPts val="0"/>
+              </a:spcBef>
+              <a:buSzTx/>
+              <a:buFontTx/>
+              <a:buNone/>
+              <a:defRPr b="1" sz="1600">
+                <a:solidFill>
+                  <a:srgbClr val="2D3B45"/>
+                </a:solidFill>
+                <a:uFillTx/>
+                <a:latin typeface="Times New Roman"/>
+                <a:ea typeface="Times New Roman"/>
+                <a:cs typeface="Times New Roman"/>
+                <a:sym typeface="Times New Roman"/>
+              </a:defRPr>
+            </a:pPr>
+            <a:r>
+              <a:t>Readings</a:t>
+            </a:r>
+            <a:r>
+              <a:rPr b="0"/>
+              <a:t>:</a:t>
+            </a:r>
+            <a:endParaRPr b="0"/>
+          </a:p>
+          <a:p>
+            <a:pPr marL="0" indent="0">
+              <a:spcBef>
+                <a:spcPts val="0"/>
+              </a:spcBef>
+              <a:buSzTx/>
+              <a:buFontTx/>
+              <a:buNone/>
+              <a:defRPr b="1" sz="1600">
+                <a:solidFill>
+                  <a:srgbClr val="2D3B45"/>
+                </a:solidFill>
+                <a:uFillTx/>
+                <a:latin typeface="Times New Roman"/>
+                <a:ea typeface="Times New Roman"/>
+                <a:cs typeface="Times New Roman"/>
+                <a:sym typeface="Times New Roman"/>
+              </a:defRPr>
+            </a:pPr>
+            <a:endParaRPr b="0"/>
+          </a:p>
+          <a:p>
+            <a:pPr marL="160421" indent="-160421">
+              <a:spcBef>
+                <a:spcPts val="0"/>
+              </a:spcBef>
+              <a:buFontTx/>
+              <a:defRPr sz="1600">
+                <a:solidFill>
+                  <a:srgbClr val="2D3B45"/>
+                </a:solidFill>
+                <a:uFillTx/>
+                <a:latin typeface="Times New Roman"/>
+                <a:ea typeface="Times New Roman"/>
+                <a:cs typeface="Times New Roman"/>
+                <a:sym typeface="Times New Roman"/>
+              </a:defRPr>
+            </a:pPr>
+            <a:r>
+              <a:t>Karl Marx and Friedrich Engels (1848): </a:t>
+            </a:r>
+            <a:r>
+              <a:rPr i="1"/>
+              <a:t>Manifesto of the Communist Party</a:t>
+            </a:r>
+            <a:r>
+              <a:t> &lt;</a:t>
+            </a:r>
+            <a:r>
+              <a:rPr u="sng">
+                <a:solidFill>
+                  <a:srgbClr val="0000FF"/>
+                </a:solidFill>
+                <a:uFill>
+                  <a:solidFill>
+                    <a:srgbClr val="0000FF"/>
+                  </a:solidFill>
+                </a:uFill>
+                <a:hlinkClick r:id="rId2" invalidUrl="" action="" tgtFrame="" tooltip="" history="1" highlightClick="0" endSnd="0"/>
+              </a:rPr>
+              <a:t>http://www.marxists.org/archive/marx/works/1848/communist-manifesto/</a:t>
+            </a:r>
+            <a:r>
+              <a:t>&gt;</a:t>
+            </a:r>
+          </a:p>
+          <a:p>
+            <a:pPr marL="160421" indent="-160421">
+              <a:spcBef>
+                <a:spcPts val="0"/>
+              </a:spcBef>
+              <a:buFontTx/>
+              <a:defRPr sz="1600">
+                <a:solidFill>
+                  <a:srgbClr val="2D3B45"/>
+                </a:solidFill>
+                <a:uFillTx/>
+                <a:latin typeface="Times New Roman"/>
+                <a:ea typeface="Times New Roman"/>
+                <a:cs typeface="Times New Roman"/>
+                <a:sym typeface="Times New Roman"/>
+              </a:defRPr>
+            </a:pPr>
+            <a:r>
+              <a:t>Stanley Engerman and Kenneth Sokoloff (1994): </a:t>
+            </a:r>
+            <a:r>
+              <a:rPr i="1"/>
+              <a:t>Factor Endowments, Institutio</a:t>
+            </a:r>
+            <a:r>
+              <a:t>ns and Differential Paths of Development among New World Economies &lt;</a:t>
+            </a:r>
+            <a:r>
+              <a:rPr u="sng">
+                <a:solidFill>
+                  <a:srgbClr val="0000FF"/>
+                </a:solidFill>
+                <a:uFill>
+                  <a:solidFill>
+                    <a:srgbClr val="0000FF"/>
+                  </a:solidFill>
+                </a:uFill>
+                <a:hlinkClick r:id="rId3" invalidUrl="" action="" tgtFrame="" tooltip="" history="1" highlightClick="0" endSnd="0"/>
+              </a:rPr>
+              <a:t>http://papers.nber.org/papers/h0066</a:t>
+            </a:r>
+            <a:r>
+              <a:t>&gt;</a:t>
+            </a:r>
+          </a:p>
+          <a:p>
+            <a:pPr marL="160421" indent="-160421">
+              <a:spcBef>
+                <a:spcPts val="0"/>
+              </a:spcBef>
+              <a:buFontTx/>
+              <a:defRPr sz="1600">
+                <a:solidFill>
+                  <a:srgbClr val="2D3B45"/>
+                </a:solidFill>
+                <a:uFillTx/>
+                <a:latin typeface="Times New Roman"/>
+                <a:ea typeface="Times New Roman"/>
+                <a:cs typeface="Times New Roman"/>
+                <a:sym typeface="Times New Roman"/>
+              </a:defRPr>
+            </a:pPr>
+            <a:r>
+              <a:t>Nathan Nunn (2008): </a:t>
+            </a:r>
+            <a:r>
+              <a:rPr i="1"/>
+              <a:t>The Long-Term Effects of Africa’s Slave Trades </a:t>
+            </a:r>
+            <a:r>
+              <a:t>&lt;http://</a:t>
+            </a:r>
+            <a:r>
+              <a:rPr u="sng">
+                <a:solidFill>
+                  <a:srgbClr val="0000FF"/>
+                </a:solidFill>
+                <a:uFill>
+                  <a:solidFill>
+                    <a:srgbClr val="0000FF"/>
+                  </a:solidFill>
+                </a:uFill>
+                <a:hlinkClick r:id="rId4" invalidUrl="" action="" tgtFrame="" tooltip="" history="1" highlightClick="0" endSnd="0"/>
+              </a:rPr>
+              <a:t>www.jstor.org/stable/pdfplus/25098896.pdf</a:t>
+            </a:r>
+            <a:r>
+              <a:rPr i="1"/>
+              <a:t>&gt;</a:t>
+            </a:r>
           </a:p>
         </p:txBody>
       </p:sp>
-      <p:pic>
-        <p:nvPicPr>
-          <p:cNvPr id="142" name="Image" descr="Image"/>
-          <p:cNvPicPr>
-            <a:picLocks noChangeAspect="1"/>
-          </p:cNvPicPr>
-          <p:nvPr/>
-        </p:nvPicPr>
-        <p:blipFill>
-          <a:blip r:embed="rId2">
-            <a:extLst/>
-          </a:blip>
-          <a:stretch>
-            <a:fillRect/>
-          </a:stretch>
-        </p:blipFill>
-        <p:spPr>
-          <a:xfrm>
-            <a:off x="4518257" y="1508814"/>
-            <a:ext cx="4127501" cy="4087583"/>
-          </a:xfrm>
-          <a:prstGeom prst="rect">
-            <a:avLst/>
-          </a:prstGeom>
-          <a:ln w="3175">
-            <a:miter lim="400000"/>
-          </a:ln>
-        </p:spPr>
-      </p:pic>
     </p:spTree>
   </p:cSld>
   <p:clrMapOvr>
@@ -5510,14 +5639,15 @@
           <a:blip r:embed="rId2">
             <a:extLst/>
           </a:blip>
+          <a:srcRect l="0" t="0" r="0" b="14140"/>
           <a:stretch>
             <a:fillRect/>
           </a:stretch>
         </p:blipFill>
         <p:spPr>
           <a:xfrm>
-            <a:off x="277663" y="1270000"/>
-            <a:ext cx="3606828" cy="2448614"/>
+            <a:off x="558063" y="945011"/>
+            <a:ext cx="7918413" cy="4615548"/>
           </a:xfrm>
           <a:prstGeom prst="rect">
             <a:avLst/>
@@ -5529,16 +5659,16 @@
       </p:pic>
       <p:sp>
         <p:nvSpPr>
-          <p:cNvPr id="66" name="Is ‘the west’ special between 800 and 1500?…"/>
+          <p:cNvPr id="66" name="The Commercial Revolution acceleration appears everywhere…"/>
           <p:cNvSpPr txBox="1"/>
           <p:nvPr>
-            <p:ph type="body" sz="half" idx="4294967295"/>
+            <p:ph type="body" sz="quarter" idx="4294967295"/>
           </p:nvPr>
         </p:nvSpPr>
         <p:spPr>
           <a:xfrm>
-            <a:off x="277663" y="3887175"/>
-            <a:ext cx="8572501" cy="2653006"/>
+            <a:off x="277663" y="5616704"/>
+            <a:ext cx="8572501" cy="964574"/>
           </a:xfrm>
           <a:prstGeom prst="rect">
             <a:avLst/>
@@ -5550,12 +5680,12 @@
           </a:bodyPr>
           <a:lstStyle/>
           <a:p>
-            <a:pPr marL="240631" indent="-240631">
+            <a:pPr marL="161223" indent="-161223" defTabSz="306324">
               <a:spcBef>
-                <a:spcPts val="1200"/>
+                <a:spcPts val="800"/>
               </a:spcBef>
               <a:buFontTx/>
-              <a:defRPr sz="2400">
+              <a:defRPr sz="1608">
                 <a:latin typeface="Times New Roman"/>
                 <a:ea typeface="Times New Roman"/>
                 <a:cs typeface="Times New Roman"/>
@@ -5563,17 +5693,24 @@
               </a:defRPr>
             </a:pPr>
             <a:r>
-              <a:t>Is ‘the west’ special between 800 and 1500?</a:t>
-            </a:r>
-          </a:p>
-          <a:p>
-            <a:pPr lvl="1" marL="621631" indent="-240631">
+              <a:t>The Commercial Revolution acceleration appears </a:t>
+            </a:r>
+            <a:r>
+              <a:rPr i="1"/>
+              <a:t>everywhere</a:t>
+            </a:r>
+            <a:r>
+              <a:t> </a:t>
+            </a:r>
+          </a:p>
+          <a:p>
+            <a:pPr lvl="1" marL="416493" indent="-161223" defTabSz="306324">
               <a:spcBef>
-                <a:spcPts val="1200"/>
+                <a:spcPts val="800"/>
               </a:spcBef>
               <a:buFontTx/>
               <a:buChar char="•"/>
-              <a:defRPr sz="2400">
+              <a:defRPr sz="1608">
                 <a:latin typeface="Times New Roman"/>
                 <a:ea typeface="Times New Roman"/>
                 <a:cs typeface="Times New Roman"/>
@@ -5581,16 +5718,17 @@
               </a:defRPr>
             </a:pPr>
             <a:r>
-              <a:t>Or is it just recovery from a Dark Age depression?</a:t>
-            </a:r>
-          </a:p>
-          <a:p>
-            <a:pPr marL="240631" indent="-240631">
+              <a:t>Due to globalization</a:t>
+            </a:r>
+          </a:p>
+          <a:p>
+            <a:pPr lvl="1" marL="416493" indent="-161223" defTabSz="306324">
               <a:spcBef>
-                <a:spcPts val="1200"/>
+                <a:spcPts val="800"/>
               </a:spcBef>
               <a:buFontTx/>
-              <a:defRPr sz="2400">
+              <a:buChar char="•"/>
+              <a:defRPr sz="1608">
                 <a:latin typeface="Times New Roman"/>
                 <a:ea typeface="Times New Roman"/>
                 <a:cs typeface="Times New Roman"/>
@@ -5598,83 +5736,11 @@
               </a:defRPr>
             </a:pPr>
             <a:r>
-              <a:t>The Commercial Revolution acceleration appears </a:t>
-            </a:r>
-            <a:r>
-              <a:rPr i="1"/>
-              <a:t>everywhere</a:t>
-            </a:r>
-            <a:r>
-              <a:t> </a:t>
-            </a:r>
-          </a:p>
-          <a:p>
-            <a:pPr lvl="1" marL="621631" indent="-240631">
-              <a:spcBef>
-                <a:spcPts val="1200"/>
-              </a:spcBef>
-              <a:buFontTx/>
-              <a:buChar char="•"/>
-              <a:defRPr sz="2400">
-                <a:latin typeface="Times New Roman"/>
-                <a:ea typeface="Times New Roman"/>
-                <a:cs typeface="Times New Roman"/>
-                <a:sym typeface="Times New Roman"/>
-              </a:defRPr>
-            </a:pPr>
-            <a:r>
-              <a:t>Due to globalization</a:t>
-            </a:r>
-          </a:p>
-          <a:p>
-            <a:pPr lvl="1" marL="621631" indent="-240631">
-              <a:spcBef>
-                <a:spcPts val="1200"/>
-              </a:spcBef>
-              <a:buFontTx/>
-              <a:buChar char="•"/>
-              <a:defRPr sz="2400">
-                <a:latin typeface="Times New Roman"/>
-                <a:ea typeface="Times New Roman"/>
-                <a:cs typeface="Times New Roman"/>
-                <a:sym typeface="Times New Roman"/>
-              </a:defRPr>
-            </a:pPr>
-            <a:r>
               <a:t>And especially to the “Columbian Exchange”</a:t>
             </a:r>
           </a:p>
         </p:txBody>
       </p:sp>
-      <p:pic>
-        <p:nvPicPr>
-          <p:cNvPr id="67" name="Image" descr="Image"/>
-          <p:cNvPicPr>
-            <a:picLocks noChangeAspect="1"/>
-          </p:cNvPicPr>
-          <p:nvPr/>
-        </p:nvPicPr>
-        <p:blipFill>
-          <a:blip r:embed="rId3">
-            <a:extLst/>
-          </a:blip>
-          <a:stretch>
-            <a:fillRect/>
-          </a:stretch>
-        </p:blipFill>
-        <p:spPr>
-          <a:xfrm>
-            <a:off x="3945426" y="1270000"/>
-            <a:ext cx="4904738" cy="2448614"/>
-          </a:xfrm>
-          <a:prstGeom prst="rect">
-            <a:avLst/>
-          </a:prstGeom>
-          <a:ln w="12700">
-            <a:miter lim="400000"/>
-          </a:ln>
-        </p:spPr>
-      </p:pic>
     </p:spTree>
   </p:cSld>
   <p:clrMapOvr>
@@ -5703,7 +5769,7 @@
       </p:grpSpPr>
       <p:sp>
         <p:nvSpPr>
-          <p:cNvPr id="69" name="Freaky Patterns Over the Past Two Centuries"/>
+          <p:cNvPr id="68" name="“Western” Numbers"/>
           <p:cNvSpPr txBox="1"/>
           <p:nvPr>
             <p:ph type="title" idx="4294967295"/>
@@ -5723,21 +5789,21 @@
             <a:normAutofit fontScale="100000" lnSpcReduction="0"/>
           </a:bodyPr>
           <a:lstStyle>
-            <a:lvl1pPr defTabSz="288036">
-              <a:defRPr sz="3780"/>
+            <a:lvl1pPr>
+              <a:defRPr sz="6000"/>
             </a:lvl1pPr>
           </a:lstStyle>
           <a:p>
             <a:pPr/>
             <a:r>
-              <a:t>Freaky Patterns Over the Past Two Centuries</a:t>
+              <a:t>“Western” Numbers</a:t>
             </a:r>
           </a:p>
         </p:txBody>
       </p:sp>
       <p:sp>
         <p:nvSpPr>
-          <p:cNvPr id="70" name="Slide Number"/>
+          <p:cNvPr id="69" name="Slide Number"/>
           <p:cNvSpPr txBox="1"/>
           <p:nvPr>
             <p:ph type="sldNum" sz="quarter" idx="2"/>
@@ -5764,7 +5830,7 @@
       </p:sp>
       <p:sp>
         <p:nvSpPr>
-          <p:cNvPr id="71" name="The enormous spreading-out…"/>
+          <p:cNvPr id="70" name="Is ‘the west’ special between 800 and 1500?…"/>
           <p:cNvSpPr txBox="1"/>
           <p:nvPr>
             <p:ph type="body" sz="quarter" idx="4294967295"/>
@@ -5772,8 +5838,8 @@
         </p:nvSpPr>
         <p:spPr>
           <a:xfrm>
-            <a:off x="277663" y="5369262"/>
-            <a:ext cx="8572501" cy="1170919"/>
+            <a:off x="277663" y="5555295"/>
+            <a:ext cx="8572501" cy="984886"/>
           </a:xfrm>
           <a:prstGeom prst="rect">
             <a:avLst/>
@@ -5783,9 +5849,8 @@
           <a:bodyPr>
             <a:normAutofit fontScale="100000" lnSpcReduction="0"/>
           </a:bodyPr>
-          <a:lstStyle/>
-          <a:p>
-            <a:pPr marL="240631" indent="-240631">
+          <a:lstStyle>
+            <a:lvl1pPr marL="240631" indent="-240631">
               <a:spcBef>
                 <a:spcPts val="1200"/>
               </a:spcBef>
@@ -5796,33 +5861,38 @@
                 <a:cs typeface="Times New Roman"/>
                 <a:sym typeface="Times New Roman"/>
               </a:defRPr>
-            </a:pPr>
-            <a:r>
-              <a:t>The enormous spreading-out</a:t>
-            </a:r>
-          </a:p>
-          <a:p>
-            <a:pPr marL="240631" indent="-240631">
+            </a:lvl1pPr>
+            <a:lvl2pPr marL="621631" indent="-240631">
               <a:spcBef>
                 <a:spcPts val="1200"/>
               </a:spcBef>
               <a:buFontTx/>
+              <a:buChar char="•"/>
               <a:defRPr sz="2400">
                 <a:latin typeface="Times New Roman"/>
                 <a:ea typeface="Times New Roman"/>
                 <a:cs typeface="Times New Roman"/>
                 <a:sym typeface="Times New Roman"/>
               </a:defRPr>
-            </a:pPr>
-            <a:r>
-              <a:t>In spite of the world getting “smaller” on every dimension</a:t>
+            </a:lvl2pPr>
+          </a:lstStyle>
+          <a:p>
+            <a:pPr/>
+            <a:r>
+              <a:t>Is ‘the west’ special between 800 and 1500?</a:t>
+            </a:r>
+          </a:p>
+          <a:p>
+            <a:pPr lvl="1"/>
+            <a:r>
+              <a:t>Or is it just recovery from a Dark Age depression?</a:t>
             </a:r>
           </a:p>
         </p:txBody>
       </p:sp>
       <p:pic>
         <p:nvPicPr>
-          <p:cNvPr id="72" name="Image" descr="Image"/>
+          <p:cNvPr id="71" name="Image" descr="Image"/>
           <p:cNvPicPr>
             <a:picLocks noChangeAspect="1"/>
           </p:cNvPicPr>
@@ -5838,8 +5908,8 @@
         </p:blipFill>
         <p:spPr>
           <a:xfrm>
-            <a:off x="1206575" y="1270000"/>
-            <a:ext cx="6030402" cy="4058483"/>
+            <a:off x="277663" y="989327"/>
+            <a:ext cx="8572501" cy="4279688"/>
           </a:xfrm>
           <a:prstGeom prst="rect">
             <a:avLst/>
@@ -5877,7 +5947,7 @@
       </p:grpSpPr>
       <p:sp>
         <p:nvSpPr>
-          <p:cNvPr id="74" name="Has This Reversed since 1975?"/>
+          <p:cNvPr id="73" name="Freaky Patterns Over the Past Two Centuries"/>
           <p:cNvSpPr txBox="1"/>
           <p:nvPr>
             <p:ph type="title" idx="4294967295"/>
@@ -5897,21 +5967,21 @@
             <a:normAutofit fontScale="100000" lnSpcReduction="0"/>
           </a:bodyPr>
           <a:lstStyle>
-            <a:lvl1pPr defTabSz="338327">
-              <a:defRPr sz="4440"/>
+            <a:lvl1pPr defTabSz="288036">
+              <a:defRPr sz="3780"/>
             </a:lvl1pPr>
           </a:lstStyle>
           <a:p>
             <a:pPr/>
             <a:r>
-              <a:t>Has This Reversed since 1975?</a:t>
+              <a:t>Freaky Patterns Over the Past Two Centuries</a:t>
             </a:r>
           </a:p>
         </p:txBody>
       </p:sp>
       <p:sp>
         <p:nvSpPr>
-          <p:cNvPr id="75" name="Slide Number"/>
+          <p:cNvPr id="74" name="Slide Number"/>
           <p:cNvSpPr txBox="1"/>
           <p:nvPr>
             <p:ph type="sldNum" sz="quarter" idx="2"/>
@@ -5938,7 +6008,7 @@
       </p:sp>
       <p:sp>
         <p:nvSpPr>
-          <p:cNvPr id="76" name="Since 1975, convergence in people……"/>
+          <p:cNvPr id="75" name="The enormous spreading-out…"/>
           <p:cNvSpPr txBox="1"/>
           <p:nvPr>
             <p:ph type="body" sz="quarter" idx="4294967295"/>
@@ -5959,12 +6029,12 @@
           </a:bodyPr>
           <a:lstStyle/>
           <a:p>
-            <a:pPr marL="194911" indent="-194911" defTabSz="370331">
+            <a:pPr marL="240631" indent="-240631">
               <a:spcBef>
-                <a:spcPts val="900"/>
+                <a:spcPts val="1200"/>
               </a:spcBef>
               <a:buFontTx/>
-              <a:defRPr sz="1944">
+              <a:defRPr sz="2400">
                 <a:latin typeface="Times New Roman"/>
                 <a:ea typeface="Times New Roman"/>
                 <a:cs typeface="Times New Roman"/>
@@ -5972,20 +6042,16 @@
               </a:defRPr>
             </a:pPr>
             <a:r>
-              <a:t>Since 1975, convergence in </a:t>
-            </a:r>
-            <a:r>
-              <a:rPr i="1"/>
-              <a:t>people…</a:t>
-            </a:r>
-          </a:p>
-          <a:p>
-            <a:pPr marL="194911" indent="-194911" defTabSz="370331">
+              <a:t>The enormous spreading-out</a:t>
+            </a:r>
+          </a:p>
+          <a:p>
+            <a:pPr marL="240631" indent="-240631">
               <a:spcBef>
-                <a:spcPts val="900"/>
+                <a:spcPts val="1200"/>
               </a:spcBef>
               <a:buFontTx/>
-              <a:defRPr sz="1944">
+              <a:defRPr sz="2400">
                 <a:latin typeface="Times New Roman"/>
                 <a:ea typeface="Times New Roman"/>
                 <a:cs typeface="Times New Roman"/>
@@ -5993,36 +6059,14 @@
               </a:defRPr>
             </a:pPr>
             <a:r>
-              <a:t>Since 1975, no convergence in </a:t>
-            </a:r>
-            <a:r>
-              <a:rPr i="1"/>
-              <a:t>nation states…</a:t>
-            </a:r>
-          </a:p>
-          <a:p>
-            <a:pPr lvl="1" marL="503521" indent="-194911" defTabSz="370331">
-              <a:spcBef>
-                <a:spcPts val="900"/>
-              </a:spcBef>
-              <a:buFontTx/>
-              <a:buChar char="•"/>
-              <a:defRPr sz="1944">
-                <a:latin typeface="Times New Roman"/>
-                <a:ea typeface="Times New Roman"/>
-                <a:cs typeface="Times New Roman"/>
-                <a:sym typeface="Times New Roman"/>
-              </a:defRPr>
-            </a:pPr>
-            <a:r>
-              <a:t>But not much divergence since 1975 in nation states either…</a:t>
+              <a:t>In spite of the world getting “smaller” on every dimension</a:t>
             </a:r>
           </a:p>
         </p:txBody>
       </p:sp>
       <p:pic>
         <p:nvPicPr>
-          <p:cNvPr id="77" name="Image" descr="Image"/>
+          <p:cNvPr id="76" name="Image" descr="Image"/>
           <p:cNvPicPr>
             <a:picLocks noChangeAspect="1"/>
           </p:cNvPicPr>
@@ -6038,8 +6082,8 @@
         </p:blipFill>
         <p:spPr>
           <a:xfrm>
-            <a:off x="1181813" y="1270000"/>
-            <a:ext cx="6009314" cy="4099263"/>
+            <a:off x="1206575" y="1270000"/>
+            <a:ext cx="6030402" cy="4058483"/>
           </a:xfrm>
           <a:prstGeom prst="rect">
             <a:avLst/>
@@ -6077,7 +6121,7 @@
       </p:grpSpPr>
       <p:sp>
         <p:nvSpPr>
-          <p:cNvPr id="79" name="Reading Lewis"/>
+          <p:cNvPr id="78" name="Has This Reversed since 1975?"/>
           <p:cNvSpPr txBox="1"/>
           <p:nvPr>
             <p:ph type="title" idx="4294967295"/>
@@ -6097,34 +6141,57 @@
             <a:normAutofit fontScale="100000" lnSpcReduction="0"/>
           </a:bodyPr>
           <a:lstStyle>
-            <a:lvl1pPr defTabSz="443484">
-              <a:defRPr sz="7663">
-                <a:solidFill>
-                  <a:srgbClr val="800000"/>
-                </a:solidFill>
-              </a:defRPr>
+            <a:lvl1pPr defTabSz="338327">
+              <a:defRPr sz="4440"/>
             </a:lvl1pPr>
           </a:lstStyle>
           <a:p>
             <a:pPr/>
             <a:r>
-              <a:t>Reading Lewis</a:t>
+              <a:t>Has This Reversed since 1975?</a:t>
             </a:r>
           </a:p>
         </p:txBody>
       </p:sp>
       <p:sp>
         <p:nvSpPr>
-          <p:cNvPr id="80" name="W. Arthur Lewis (1978): Evolution of the International Economic Order &lt;https://delong.typepad.com/files/lewis-evolution-a.pdf&gt; &lt;https://delong.typepad.com/files/lewis-evolution-b.pdf&gt;:…"/>
+          <p:cNvPr id="79" name="Slide Number"/>
           <p:cNvSpPr txBox="1"/>
           <p:nvPr>
-            <p:ph type="body" idx="4294967295"/>
+            <p:ph type="sldNum" sz="quarter" idx="2"/>
+          </p:nvPr>
+        </p:nvSpPr>
+        <p:spPr>
+          <a:prstGeom prst="rect">
+            <a:avLst/>
+          </a:prstGeom>
+          <a:extLst>
+            <a:ext uri="{C572A759-6A51-4108-AA02-DFA0A04FC94B}">
+              <ma14:wrappingTextBoxFlag xmlns:ma14="http://schemas.microsoft.com/office/mac/drawingml/2011/main" val="1"/>
+            </a:ext>
+          </a:extLst>
+        </p:spPr>
+        <p:txBody>
+          <a:bodyPr/>
+          <a:lstStyle/>
+          <a:p>
+            <a:pPr/>
+            <a:fld id="{86CB4B4D-7CA3-9044-876B-883B54F8677D}" type="slidenum"/>
+          </a:p>
+        </p:txBody>
+      </p:sp>
+      <p:sp>
+        <p:nvSpPr>
+          <p:cNvPr id="80" name="Since 1975, convergence in people……"/>
+          <p:cNvSpPr txBox="1"/>
+          <p:nvPr>
+            <p:ph type="body" sz="quarter" idx="4294967295"/>
           </p:nvPr>
         </p:nvSpPr>
         <p:spPr>
           <a:xfrm>
-            <a:off x="277663" y="1270000"/>
-            <a:ext cx="8572501" cy="5309269"/>
+            <a:off x="277663" y="5369262"/>
+            <a:ext cx="8572501" cy="1170919"/>
           </a:xfrm>
           <a:prstGeom prst="rect">
             <a:avLst/>
@@ -6136,132 +6203,96 @@
           </a:bodyPr>
           <a:lstStyle/>
           <a:p>
-            <a:pPr marL="0" indent="0" defTabSz="356615">
-              <a:spcBef>
-                <a:spcPts val="500"/>
-              </a:spcBef>
-              <a:buSzTx/>
-              <a:buFontTx/>
-              <a:buNone/>
-              <a:defRPr b="1" sz="2027"/>
-            </a:pPr>
-            <a:r>
-              <a:t>W. Arthur Lewis (1978): Evolution of the International Economic Order &lt;</a:t>
-            </a:r>
-            <a:r>
-              <a:rPr u="sng">
-                <a:solidFill>
-                  <a:srgbClr val="0000FF"/>
-                </a:solidFill>
-                <a:uFill>
-                  <a:solidFill>
-                    <a:srgbClr val="0000FF"/>
-                  </a:solidFill>
-                </a:uFill>
-                <a:hlinkClick r:id="rId2" invalidUrl="" action="" tgtFrame="" tooltip="" history="1" highlightClick="0" endSnd="0"/>
-              </a:rPr>
-              <a:t>https://delong.typepad.com/files/lewis-evolution-a.pdf</a:t>
-            </a:r>
-            <a:r>
-              <a:t>&gt; &lt;</a:t>
-            </a:r>
-            <a:r>
-              <a:rPr u="sng">
-                <a:solidFill>
-                  <a:srgbClr val="0000FF"/>
-                </a:solidFill>
-                <a:uFill>
-                  <a:solidFill>
-                    <a:srgbClr val="0000FF"/>
-                  </a:solidFill>
-                </a:uFill>
-                <a:hlinkClick r:id="rId3" invalidUrl="" action="" tgtFrame="" tooltip="" history="1" highlightClick="0" endSnd="0"/>
-              </a:rPr>
-              <a:t>https://delong.typepad.com/files/lewis-evolution-b.pdf</a:t>
-            </a:r>
-            <a:r>
-              <a:t>&gt;:</a:t>
-            </a:r>
-          </a:p>
-          <a:p>
-            <a:pPr marL="0" indent="0" defTabSz="356615">
-              <a:spcBef>
-                <a:spcPts val="500"/>
-              </a:spcBef>
-              <a:buSzTx/>
-              <a:buFontTx/>
-              <a:buNone/>
-              <a:defRPr b="1" sz="2027"/>
-            </a:pPr>
-          </a:p>
-          <a:p>
-            <a:pPr marL="267461" indent="-267461" defTabSz="356615">
+            <a:pPr marL="194911" indent="-194911" defTabSz="370331">
               <a:spcBef>
                 <a:spcPts val="900"/>
               </a:spcBef>
-              <a:defRPr sz="2340"/>
+              <a:buFontTx/>
+              <a:defRPr sz="1944">
+                <a:latin typeface="Times New Roman"/>
+                <a:ea typeface="Times New Roman"/>
+                <a:cs typeface="Times New Roman"/>
+                <a:sym typeface="Times New Roman"/>
+              </a:defRPr>
             </a:pPr>
             <a:r>
-              <a:t>100 million people change continents  between 1870 and 1914</a:t>
-            </a:r>
-          </a:p>
-          <a:p>
-            <a:pPr marL="267461" indent="-267461" defTabSz="356615">
+              <a:t>Since 1975, convergence in </a:t>
+            </a:r>
+            <a:r>
+              <a:rPr i="1"/>
+              <a:t>people…</a:t>
+            </a:r>
+          </a:p>
+          <a:p>
+            <a:pPr marL="194911" indent="-194911" defTabSz="370331">
               <a:spcBef>
                 <a:spcPts val="900"/>
               </a:spcBef>
-              <a:defRPr sz="2340"/>
+              <a:buFontTx/>
+              <a:defRPr sz="1944">
+                <a:latin typeface="Times New Roman"/>
+                <a:ea typeface="Times New Roman"/>
+                <a:cs typeface="Times New Roman"/>
+                <a:sym typeface="Times New Roman"/>
+              </a:defRPr>
             </a:pPr>
             <a:r>
-              <a:t>Essentially all non-perishable non-fragile goods become internationally transportable for pennies</a:t>
-            </a:r>
-          </a:p>
-          <a:p>
-            <a:pPr marL="267461" indent="-267461" defTabSz="356615">
+              <a:t>Since 1975, no convergence in </a:t>
+            </a:r>
+            <a:r>
+              <a:rPr i="1"/>
+              <a:t>nation states…</a:t>
+            </a:r>
+          </a:p>
+          <a:p>
+            <a:pPr lvl="1" marL="503521" indent="-194911" defTabSz="370331">
               <a:spcBef>
                 <a:spcPts val="900"/>
               </a:spcBef>
-              <a:defRPr sz="2340"/>
+              <a:buFontTx/>
+              <a:buChar char="•"/>
+              <a:defRPr sz="1944">
+                <a:latin typeface="Times New Roman"/>
+                <a:ea typeface="Times New Roman"/>
+                <a:cs typeface="Times New Roman"/>
+                <a:sym typeface="Times New Roman"/>
+              </a:defRPr>
             </a:pPr>
             <a:r>
-              <a:t>What were the implications of this?</a:t>
-            </a:r>
-          </a:p>
-          <a:p>
-            <a:pPr marL="267461" indent="-267461" defTabSz="356615">
-              <a:spcBef>
-                <a:spcPts val="900"/>
-              </a:spcBef>
-              <a:defRPr sz="2340"/>
-            </a:pPr>
-            <a:r>
-              <a:t>How is it related to the great divergence that has occurred since 1800?</a:t>
-            </a:r>
-          </a:p>
-          <a:p>
-            <a:pPr marL="267461" indent="-267461" defTabSz="356615">
-              <a:spcBef>
-                <a:spcPts val="900"/>
-              </a:spcBef>
-              <a:defRPr sz="2340"/>
-            </a:pPr>
-            <a:r>
-              <a:t>What is Lewis’s bottom line?</a:t>
-            </a:r>
-          </a:p>
-          <a:p>
-            <a:pPr marL="267461" indent="-267461" defTabSz="356615">
-              <a:spcBef>
-                <a:spcPts val="900"/>
-              </a:spcBef>
-              <a:defRPr sz="2340"/>
-            </a:pPr>
-            <a:r>
-              <a:t>Is he right?</a:t>
+              <a:t>But not much divergence since 1975 in nation states either…</a:t>
             </a:r>
           </a:p>
         </p:txBody>
       </p:sp>
+      <p:pic>
+        <p:nvPicPr>
+          <p:cNvPr id="81" name="Image" descr="Image"/>
+          <p:cNvPicPr>
+            <a:picLocks noChangeAspect="1"/>
+          </p:cNvPicPr>
+          <p:nvPr/>
+        </p:nvPicPr>
+        <p:blipFill>
+          <a:blip r:embed="rId2">
+            <a:extLst/>
+          </a:blip>
+          <a:stretch>
+            <a:fillRect/>
+          </a:stretch>
+        </p:blipFill>
+        <p:spPr>
+          <a:xfrm>
+            <a:off x="1181813" y="1270000"/>
+            <a:ext cx="6009314" cy="4099263"/>
+          </a:xfrm>
+          <a:prstGeom prst="rect">
+            <a:avLst/>
+          </a:prstGeom>
+          <a:ln w="12700">
+            <a:miter lim="400000"/>
+          </a:ln>
+        </p:spPr>
+      </p:pic>
     </p:spTree>
   </p:cSld>
   <p:clrMapOvr>
@@ -6290,7 +6321,7 @@
       </p:grpSpPr>
       <p:sp>
         <p:nvSpPr>
-          <p:cNvPr id="82" name="The International Economic Order"/>
+          <p:cNvPr id="83" name="Reading Lewis"/>
           <p:cNvSpPr txBox="1"/>
           <p:nvPr>
             <p:ph type="title" idx="4294967295"/>
@@ -6298,8 +6329,8 @@
         </p:nvSpPr>
         <p:spPr>
           <a:xfrm>
-            <a:off x="444500" y="0"/>
-            <a:ext cx="8255000" cy="1270001"/>
+            <a:off x="277663" y="-1"/>
+            <a:ext cx="8572501" cy="1270001"/>
           </a:xfrm>
           <a:prstGeom prst="rect">
             <a:avLst/>
@@ -6310,21 +6341,25 @@
             <a:normAutofit fontScale="100000" lnSpcReduction="0"/>
           </a:bodyPr>
           <a:lstStyle>
-            <a:lvl1pPr defTabSz="260604">
-              <a:defRPr sz="4560"/>
+            <a:lvl1pPr defTabSz="443484">
+              <a:defRPr sz="7663">
+                <a:solidFill>
+                  <a:srgbClr val="800000"/>
+                </a:solidFill>
+              </a:defRPr>
             </a:lvl1pPr>
           </a:lstStyle>
           <a:p>
             <a:pPr/>
             <a:r>
-              <a:t>The International Economic Order</a:t>
+              <a:t>Reading Lewis</a:t>
             </a:r>
           </a:p>
         </p:txBody>
       </p:sp>
       <p:sp>
         <p:nvSpPr>
-          <p:cNvPr id="83" name="I will discuss certain aspects of the relationship between the developing and the developed countries that the first find particularly irksome:…"/>
+          <p:cNvPr id="84" name="W. Arthur Lewis (1978): Evolution of the International Economic Order &lt;https://delong.typepad.com/files/lewis-evolution-a.pdf&gt; &lt;https://delong.typepad.com/files/lewis-evolution-b.pdf&gt;:…"/>
           <p:cNvSpPr txBox="1"/>
           <p:nvPr>
             <p:ph type="body" idx="4294967295"/>
@@ -6332,8 +6367,8 @@
         </p:nvSpPr>
         <p:spPr>
           <a:xfrm>
-            <a:off x="444500" y="1270000"/>
-            <a:ext cx="8255000" cy="5270500"/>
+            <a:off x="277663" y="1270000"/>
+            <a:ext cx="8572501" cy="5309269"/>
           </a:xfrm>
           <a:prstGeom prst="rect">
             <a:avLst/>
@@ -6345,67 +6380,128 @@
           </a:bodyPr>
           <a:lstStyle/>
           <a:p>
-            <a:pPr marL="209169" indent="-209169" defTabSz="278892">
-              <a:defRPr sz="1830"/>
+            <a:pPr marL="0" indent="0" defTabSz="356615">
+              <a:spcBef>
+                <a:spcPts val="500"/>
+              </a:spcBef>
+              <a:buSzTx/>
+              <a:buFontTx/>
+              <a:buNone/>
+              <a:defRPr b="1" sz="2027"/>
             </a:pPr>
             <a:r>
-              <a:t>I will discuss certain aspects of the relationship between the developing and the developed countries that the first find particularly irksome:</a:t>
-            </a:r>
-          </a:p>
-          <a:p>
-            <a:pPr lvl="1" marL="554522" indent="-244642" defTabSz="278892">
+              <a:t>W. Arthur Lewis (1978): Evolution of the International Economic Order &lt;</a:t>
+            </a:r>
+            <a:r>
+              <a:rPr u="sng">
+                <a:solidFill>
+                  <a:srgbClr val="0000FF"/>
+                </a:solidFill>
+                <a:uFill>
+                  <a:solidFill>
+                    <a:srgbClr val="0000FF"/>
+                  </a:solidFill>
+                </a:uFill>
+                <a:hlinkClick r:id="rId2" invalidUrl="" action="" tgtFrame="" tooltip="" history="1" highlightClick="0" endSnd="0"/>
+              </a:rPr>
+              <a:t>https://delong.typepad.com/files/lewis-evolution-a.pdf</a:t>
+            </a:r>
+            <a:r>
+              <a:t>&gt; &lt;</a:t>
+            </a:r>
+            <a:r>
+              <a:rPr u="sng">
+                <a:solidFill>
+                  <a:srgbClr val="0000FF"/>
+                </a:solidFill>
+                <a:uFill>
+                  <a:solidFill>
+                    <a:srgbClr val="0000FF"/>
+                  </a:solidFill>
+                </a:uFill>
+                <a:hlinkClick r:id="rId3" invalidUrl="" action="" tgtFrame="" tooltip="" history="1" highlightClick="0" endSnd="0"/>
+              </a:rPr>
+              <a:t>https://delong.typepad.com/files/lewis-evolution-b.pdf</a:t>
+            </a:r>
+            <a:r>
+              <a:t>&gt;:</a:t>
+            </a:r>
+          </a:p>
+          <a:p>
+            <a:pPr marL="0" indent="0" defTabSz="356615">
+              <a:spcBef>
+                <a:spcPts val="500"/>
+              </a:spcBef>
+              <a:buSzTx/>
               <a:buFontTx/>
-              <a:buAutoNum type="arabicPeriod" startAt="1"/>
-              <a:defRPr sz="1830"/>
+              <a:buNone/>
+              <a:defRPr b="1" sz="2027"/>
             </a:pPr>
-            <a:r>
-              <a:t>The division of the world into exporters of primary products and exporters of manufactured goods</a:t>
-            </a:r>
-          </a:p>
-          <a:p>
-            <a:pPr lvl="1" marL="554522" indent="-244642" defTabSz="278892">
-              <a:buFontTx/>
-              <a:buAutoNum type="arabicPeriod" startAt="1"/>
-              <a:defRPr sz="1830"/>
+          </a:p>
+          <a:p>
+            <a:pPr marL="267461" indent="-267461" defTabSz="356615">
+              <a:spcBef>
+                <a:spcPts val="900"/>
+              </a:spcBef>
+              <a:defRPr sz="2340"/>
             </a:pPr>
             <a:r>
-              <a:t>The adverse factoral terms of trade for the products of the developing countries </a:t>
-            </a:r>
-          </a:p>
-          <a:p>
-            <a:pPr lvl="1" marL="554522" indent="-244642" defTabSz="278892">
-              <a:buFontTx/>
-              <a:buAutoNum type="arabicPeriod" startAt="1"/>
-              <a:defRPr sz="1830"/>
+              <a:t>100 million people change continents  between 1870 and 1914</a:t>
+            </a:r>
+          </a:p>
+          <a:p>
+            <a:pPr marL="267461" indent="-267461" defTabSz="356615">
+              <a:spcBef>
+                <a:spcPts val="900"/>
+              </a:spcBef>
+              <a:defRPr sz="2340"/>
             </a:pPr>
             <a:r>
-              <a:t>The dependence of the developing countries on the developed for finance</a:t>
-            </a:r>
-          </a:p>
-          <a:p>
-            <a:pPr lvl="1" marL="554522" indent="-244642" defTabSz="278892">
-              <a:buFontTx/>
-              <a:buAutoNum type="arabicPeriod" startAt="1"/>
-              <a:defRPr sz="1830"/>
+              <a:t>Essentially all non-perishable non-fragile goods become internationally transportable for pennies</a:t>
+            </a:r>
+          </a:p>
+          <a:p>
+            <a:pPr marL="267461" indent="-267461" defTabSz="356615">
+              <a:spcBef>
+                <a:spcPts val="900"/>
+              </a:spcBef>
+              <a:defRPr sz="2340"/>
             </a:pPr>
             <a:r>
-              <a:t>The dependence of the developing countries on the developed for their engine of growth…</a:t>
-            </a:r>
-          </a:p>
-          <a:p>
-            <a:pPr marL="209169" indent="-209169" defTabSz="278892">
-              <a:defRPr sz="1830"/>
+              <a:t>What were the implications of this?</a:t>
+            </a:r>
+          </a:p>
+          <a:p>
+            <a:pPr marL="267461" indent="-267461" defTabSz="356615">
+              <a:spcBef>
+                <a:spcPts val="900"/>
+              </a:spcBef>
+              <a:defRPr sz="2340"/>
             </a:pPr>
             <a:r>
-              <a:t>Even as late as 1883… total imports into the United States and Western Europe from Asia, Africa, and tropical Latin America came only to about a dollar per head of the population of the exporting countries…. Leading industrial countries… were… nearly self-sufficient [in] the raw materials of the Industrial Revolution… coal, iron ore, cotton, and wool… except for wool…</a:t>
-            </a:r>
-          </a:p>
-          <a:p>
-            <a:pPr marL="209169" indent="-209169" defTabSz="278892">
-              <a:defRPr sz="1830"/>
+              <a:t>How is it related to the great divergence that has occurred since 1800?</a:t>
+            </a:r>
+          </a:p>
+          <a:p>
+            <a:pPr marL="267461" indent="-267461" defTabSz="356615">
+              <a:spcBef>
+                <a:spcPts val="900"/>
+              </a:spcBef>
+              <a:defRPr sz="2340"/>
             </a:pPr>
             <a:r>
-              <a:t>“Not until… the end of the nineteenth century… did a big demand for rubber, copper, oil, bauxite, and such materials occur…</a:t>
+              <a:t>What is Lewis’s bottom line?</a:t>
+            </a:r>
+          </a:p>
+          <a:p>
+            <a:pPr marL="267461" indent="-267461" defTabSz="356615">
+              <a:spcBef>
+                <a:spcPts val="900"/>
+              </a:spcBef>
+              <a:defRPr sz="2340"/>
+            </a:pPr>
+            <a:r>
+              <a:t>Is he right?</a:t>
             </a:r>
           </a:p>
         </p:txBody>
@@ -6438,7 +6534,7 @@
       </p:grpSpPr>
       <p:sp>
         <p:nvSpPr>
-          <p:cNvPr id="85" name="Why Slow Adoption of Industrial Technologies in Emerging Markets?"/>
+          <p:cNvPr id="86" name="The International Economic Order"/>
           <p:cNvSpPr txBox="1"/>
           <p:nvPr>
             <p:ph type="title" idx="4294967295"/>
@@ -6458,21 +6554,21 @@
             <a:normAutofit fontScale="100000" lnSpcReduction="0"/>
           </a:bodyPr>
           <a:lstStyle>
-            <a:lvl1pPr defTabSz="214884">
-              <a:defRPr sz="3759"/>
+            <a:lvl1pPr defTabSz="260604">
+              <a:defRPr sz="4560"/>
             </a:lvl1pPr>
           </a:lstStyle>
           <a:p>
             <a:pPr/>
             <a:r>
-              <a:t>Why Slow Adoption of Industrial Technologies in Emerging Markets?</a:t>
+              <a:t>The International Economic Order</a:t>
             </a:r>
           </a:p>
         </p:txBody>
       </p:sp>
       <p:sp>
         <p:nvSpPr>
-          <p:cNvPr id="86" name="“The smallness of the market was one constraint on industrialization…”…"/>
+          <p:cNvPr id="87" name="I will discuss certain aspects of the relationship between the developing and the developed countries that the first find particularly irksome:…"/>
           <p:cNvSpPr txBox="1"/>
           <p:nvPr>
             <p:ph type="body" idx="4294967295"/>
@@ -6493,47 +6589,67 @@
           </a:bodyPr>
           <a:lstStyle/>
           <a:p>
-            <a:pPr marL="274320" indent="-274320" defTabSz="365760">
-              <a:spcBef>
-                <a:spcPts val="900"/>
-              </a:spcBef>
-              <a:defRPr sz="2400"/>
+            <a:pPr marL="209169" indent="-209169" defTabSz="278892">
+              <a:defRPr sz="1830"/>
             </a:pPr>
             <a:r>
-              <a:t>“The smallness of the market was one constraint on industrialization…” </a:t>
-            </a:r>
-          </a:p>
-          <a:p>
-            <a:pPr marL="274320" indent="-274320" defTabSz="365760">
-              <a:spcBef>
-                <a:spcPts val="900"/>
-              </a:spcBef>
-              <a:defRPr sz="2400"/>
+              <a:t>I will discuss certain aspects of the relationship between the developing and the developed countries that the first find particularly irksome:</a:t>
+            </a:r>
+          </a:p>
+          <a:p>
+            <a:pPr lvl="1" marL="554522" indent="-244642" defTabSz="278892">
+              <a:buFontTx/>
+              <a:buAutoNum type="arabicPeriod" startAt="1"/>
+              <a:defRPr sz="1830"/>
             </a:pPr>
             <a:r>
-              <a:t>“The absence of an investment climate was another…”</a:t>
-            </a:r>
-          </a:p>
-          <a:p>
-            <a:pPr marL="274320" indent="-274320" defTabSz="365760">
-              <a:spcBef>
-                <a:spcPts val="900"/>
-              </a:spcBef>
-              <a:defRPr sz="2400"/>
+              <a:t>The division of the world into exporters of primary products and exporters of manufactured goods</a:t>
+            </a:r>
+          </a:p>
+          <a:p>
+            <a:pPr lvl="1" marL="554522" indent="-244642" defTabSz="278892">
+              <a:buFontTx/>
+              <a:buAutoNum type="arabicPeriod" startAt="1"/>
+              <a:defRPr sz="1830"/>
             </a:pPr>
             <a:r>
-              <a:t>“And so the world divided: countries that industrialized and exported manufactures, and countries that exported agricultural products. The speed of this adjustment… created an illusion… an article of faith in Western Europe that the tropical countries had a comparative advantage in agriculture…”</a:t>
-            </a:r>
-          </a:p>
-          <a:p>
-            <a:pPr marL="274320" indent="-274320" defTabSz="365760">
-              <a:spcBef>
-                <a:spcPts val="900"/>
-              </a:spcBef>
-              <a:defRPr sz="2400"/>
+              <a:t>The adverse factoral terms of trade for the products of the developing countries </a:t>
+            </a:r>
+          </a:p>
+          <a:p>
+            <a:pPr lvl="1" marL="554522" indent="-244642" defTabSz="278892">
+              <a:buFontTx/>
+              <a:buAutoNum type="arabicPeriod" startAt="1"/>
+              <a:defRPr sz="1830"/>
             </a:pPr>
             <a:r>
-              <a:t>“In fact, as Indian textile production soon began to show, between the tropical and temperate countries, the differences in food production per head were much greater than the differences in industrial production per head…”</a:t>
+              <a:t>The dependence of the developing countries on the developed for finance</a:t>
+            </a:r>
+          </a:p>
+          <a:p>
+            <a:pPr lvl="1" marL="554522" indent="-244642" defTabSz="278892">
+              <a:buFontTx/>
+              <a:buAutoNum type="arabicPeriod" startAt="1"/>
+              <a:defRPr sz="1830"/>
+            </a:pPr>
+            <a:r>
+              <a:t>The dependence of the developing countries on the developed for their engine of growth…</a:t>
+            </a:r>
+          </a:p>
+          <a:p>
+            <a:pPr marL="209169" indent="-209169" defTabSz="278892">
+              <a:defRPr sz="1830"/>
+            </a:pPr>
+            <a:r>
+              <a:t>Even as late as 1883… total imports into the United States and Western Europe from Asia, Africa, and tropical Latin America came only to about a dollar per head of the population of the exporting countries…. Leading industrial countries… were… nearly self-sufficient [in] the raw materials of the Industrial Revolution… coal, iron ore, cotton, and wool… except for wool…</a:t>
+            </a:r>
+          </a:p>
+          <a:p>
+            <a:pPr marL="209169" indent="-209169" defTabSz="278892">
+              <a:defRPr sz="1830"/>
+            </a:pPr>
+            <a:r>
+              <a:t>“Not until… the end of the nineteenth century… did a big demand for rubber, copper, oil, bauxite, and such materials occur…</a:t>
             </a:r>
           </a:p>
         </p:txBody>
